--- a/01numpy_gibon/프레젠테이션1.pptx
+++ b/01numpy_gibon/프레젠테이션1.pptx
@@ -4,8 +4,13 @@
   <p:sldMasterIdLst>
     <p:sldMasterId id="2147483648" r:id="rId1"/>
   </p:sldMasterIdLst>
+  <p:notesMasterIdLst>
+    <p:notesMasterId r:id="rId5"/>
+  </p:notesMasterIdLst>
   <p:sldIdLst>
     <p:sldId id="257" r:id="rId2"/>
+    <p:sldId id="258" r:id="rId3"/>
+    <p:sldId id="259" r:id="rId4"/>
   </p:sldIdLst>
   <p:sldSz cx="9144000" cy="6858000" type="screen4x3"/>
   <p:notesSz cx="6858000" cy="9144000"/>
@@ -104,7 +109,39 @@
       </a:defRPr>
     </a:lvl9pPr>
   </p:defaultTextStyle>
+  <p:extLst>
+    <p:ext uri="{EFAFB233-063F-42B5-8137-9DF3F51BA10A}">
+      <p15:sldGuideLst xmlns:p15="http://schemas.microsoft.com/office/powerpoint/2012/main">
+        <p15:guide id="1" orient="horz" pos="2160">
+          <p15:clr>
+            <a:srgbClr val="A4A3A4"/>
+          </p15:clr>
+        </p15:guide>
+        <p15:guide id="2" pos="2880">
+          <p15:clr>
+            <a:srgbClr val="A4A3A4"/>
+          </p15:clr>
+        </p15:guide>
+      </p15:sldGuideLst>
+    </p:ext>
+  </p:extLst>
 </p:presentation>
+</file>
+
+<file path=ppt/commentAuthors.xml><?xml version="1.0" encoding="utf-8"?>
+<p:cmAuthorLst xmlns:a="http://schemas.openxmlformats.org/drawingml/2006/main" xmlns:r="http://schemas.openxmlformats.org/officeDocument/2006/relationships" xmlns:p="http://schemas.openxmlformats.org/presentationml/2006/main">
+  <p:cmAuthor id="1" name="하승원" initials="하" lastIdx="1" clrIdx="0">
+    <p:extLst>
+      <p:ext uri="{19B8F6BF-5375-455C-9EA6-DF929625EA0E}">
+        <p15:presenceInfo xmlns:p15="http://schemas.microsoft.com/office/powerpoint/2012/main" userId="1f82ac9e1d9883f4" providerId="Windows Live"/>
+      </p:ext>
+    </p:extLst>
+  </p:cmAuthor>
+</p:cmAuthorLst>
+</file>
+
+<file path=ppt/revisionInfo.xml><?xml version="1.0" encoding="utf-8"?>
+<p1510:revInfo xmlns:a="http://schemas.openxmlformats.org/drawingml/2006/main" xmlns:r="http://schemas.openxmlformats.org/officeDocument/2006/relationships" xmlns:p1510="http://schemas.microsoft.com/office/powerpoint/2015/10/main"/>
 </file>
 
 <file path=ppt/diagrams/colors1.xml><?xml version="1.0" encoding="utf-8"?>
@@ -3119,7 +3156,7 @@
         <a:p>
           <a:pPr latinLnBrk="1"/>
           <a:r>
-            <a:rPr lang="en-US" altLang="ko-KR" dirty="0" smtClean="0"/>
+            <a:rPr lang="en-US" altLang="ko-KR" dirty="0"/>
             <a:t>1</a:t>
           </a:r>
           <a:endParaRPr lang="ko-KR" altLang="en-US" dirty="0"/>
@@ -3159,7 +3196,7 @@
         <a:p>
           <a:pPr latinLnBrk="1"/>
           <a:r>
-            <a:rPr lang="en-US" altLang="ko-KR" dirty="0" smtClean="0"/>
+            <a:rPr lang="en-US" altLang="ko-KR" dirty="0"/>
             <a:t>4</a:t>
           </a:r>
           <a:endParaRPr lang="ko-KR" altLang="en-US" dirty="0"/>
@@ -3199,7 +3236,7 @@
         <a:p>
           <a:pPr latinLnBrk="1"/>
           <a:r>
-            <a:rPr lang="en-US" altLang="ko-KR" dirty="0" smtClean="0"/>
+            <a:rPr lang="en-US" altLang="ko-KR" dirty="0"/>
             <a:t>5</a:t>
           </a:r>
           <a:endParaRPr lang="ko-KR" altLang="en-US" dirty="0"/>
@@ -3239,7 +3276,7 @@
         <a:p>
           <a:pPr latinLnBrk="1"/>
           <a:r>
-            <a:rPr lang="en-US" altLang="ko-KR" dirty="0" smtClean="0"/>
+            <a:rPr lang="en-US" altLang="ko-KR" dirty="0"/>
             <a:t>1</a:t>
           </a:r>
           <a:endParaRPr lang="ko-KR" altLang="en-US" dirty="0"/>
@@ -3293,14 +3330,6 @@
         </dgm:presLayoutVars>
       </dgm:prSet>
       <dgm:spPr/>
-      <dgm:t>
-        <a:bodyPr/>
-        <a:lstStyle/>
-        <a:p>
-          <a:pPr latinLnBrk="1"/>
-          <a:endParaRPr lang="ko-KR" altLang="en-US"/>
-        </a:p>
-      </dgm:t>
     </dgm:pt>
     <dgm:pt modelId="{8035222F-0E43-46E7-84CE-C566F21891A2}" type="pres">
       <dgm:prSet presAssocID="{C8AF129C-147A-43AE-9E3F-8AEAD8D05E32}" presName="quad2" presStyleLbl="node1" presStyleIdx="1" presStyleCnt="4">
@@ -3311,14 +3340,6 @@
         </dgm:presLayoutVars>
       </dgm:prSet>
       <dgm:spPr/>
-      <dgm:t>
-        <a:bodyPr/>
-        <a:lstStyle/>
-        <a:p>
-          <a:pPr latinLnBrk="1"/>
-          <a:endParaRPr lang="ko-KR" altLang="en-US"/>
-        </a:p>
-      </dgm:t>
     </dgm:pt>
     <dgm:pt modelId="{FD871694-8EFC-4DC3-AAE9-E47EC0298D5A}" type="pres">
       <dgm:prSet presAssocID="{C8AF129C-147A-43AE-9E3F-8AEAD8D05E32}" presName="quad3" presStyleLbl="node1" presStyleIdx="2" presStyleCnt="4">
@@ -3339,25 +3360,17 @@
         </dgm:presLayoutVars>
       </dgm:prSet>
       <dgm:spPr/>
-      <dgm:t>
-        <a:bodyPr/>
-        <a:lstStyle/>
-        <a:p>
-          <a:pPr latinLnBrk="1"/>
-          <a:endParaRPr lang="ko-KR" altLang="en-US"/>
-        </a:p>
-      </dgm:t>
     </dgm:pt>
   </dgm:ptLst>
   <dgm:cxnLst>
+    <dgm:cxn modelId="{92E9A423-7477-455F-BE36-2EC2C91DE40C}" srcId="{C8AF129C-147A-43AE-9E3F-8AEAD8D05E32}" destId="{AA0DDD05-1CF8-41FA-9E22-3730331A4E20}" srcOrd="3" destOrd="0" parTransId="{6B7400B9-B774-4831-AB60-6C881E2839E0}" sibTransId="{785EB683-0783-481D-912D-EFD3F591C6AF}"/>
+    <dgm:cxn modelId="{EE9D6B6B-8C8D-42CC-B7A1-7E56478E140B}" type="presOf" srcId="{CA2D2AA1-5749-41F3-B11B-5623CA1A1189}" destId="{8035222F-0E43-46E7-84CE-C566F21891A2}" srcOrd="0" destOrd="0" presId="urn:microsoft.com/office/officeart/2005/8/layout/matrix3"/>
     <dgm:cxn modelId="{2B15464D-3896-4ACA-AD93-C7F90CBCC30A}" type="presOf" srcId="{AC6A3DEC-F443-42A3-A2F4-4B4750B23218}" destId="{B4FB23B8-F5A4-42B6-8A1B-6C36690BE958}" srcOrd="0" destOrd="0" presId="urn:microsoft.com/office/officeart/2005/8/layout/matrix3"/>
-    <dgm:cxn modelId="{EE9D6B6B-8C8D-42CC-B7A1-7E56478E140B}" type="presOf" srcId="{CA2D2AA1-5749-41F3-B11B-5623CA1A1189}" destId="{8035222F-0E43-46E7-84CE-C566F21891A2}" srcOrd="0" destOrd="0" presId="urn:microsoft.com/office/officeart/2005/8/layout/matrix3"/>
-    <dgm:cxn modelId="{92E9A423-7477-455F-BE36-2EC2C91DE40C}" srcId="{C8AF129C-147A-43AE-9E3F-8AEAD8D05E32}" destId="{AA0DDD05-1CF8-41FA-9E22-3730331A4E20}" srcOrd="3" destOrd="0" parTransId="{6B7400B9-B774-4831-AB60-6C881E2839E0}" sibTransId="{785EB683-0783-481D-912D-EFD3F591C6AF}"/>
+    <dgm:cxn modelId="{8FBAC074-8D82-4175-BAB0-48049F42DF7C}" srcId="{C8AF129C-147A-43AE-9E3F-8AEAD8D05E32}" destId="{CA2D2AA1-5749-41F3-B11B-5623CA1A1189}" srcOrd="1" destOrd="0" parTransId="{AE07B3C6-64A3-46EA-83F4-371E878BDF22}" sibTransId="{03C9832F-5FE0-475E-BF31-F70A509AFE4C}"/>
+    <dgm:cxn modelId="{727DD998-3898-4DA3-BA96-343F1E2CEE78}" type="presOf" srcId="{AA0DDD05-1CF8-41FA-9E22-3730331A4E20}" destId="{8AB65512-7AA3-43F5-AE93-A699E95151FE}" srcOrd="0" destOrd="0" presId="urn:microsoft.com/office/officeart/2005/8/layout/matrix3"/>
     <dgm:cxn modelId="{8F307B9C-BA44-4713-9FEC-3C8DEC803B84}" srcId="{C8AF129C-147A-43AE-9E3F-8AEAD8D05E32}" destId="{6140D27A-ED9F-4C76-A5F8-471CB40F05BA}" srcOrd="2" destOrd="0" parTransId="{030A2BEF-23EB-421D-876F-676F1148A7D4}" sibTransId="{3C173B7F-4B26-483C-A809-0E6085AC972D}"/>
+    <dgm:cxn modelId="{948B1AA7-3F8F-40C3-A0FA-EAAE2F0C688D}" srcId="{C8AF129C-147A-43AE-9E3F-8AEAD8D05E32}" destId="{AC6A3DEC-F443-42A3-A2F4-4B4750B23218}" srcOrd="0" destOrd="0" parTransId="{A6DF83C7-B4B6-47C7-95E1-18236446F3DD}" sibTransId="{68B0F441-5199-4E95-B4C7-40E2BACB9294}"/>
     <dgm:cxn modelId="{E2894FC1-EADA-481F-BEA3-61704944358D}" type="presOf" srcId="{C8AF129C-147A-43AE-9E3F-8AEAD8D05E32}" destId="{D5EE1BAB-BB75-4952-A153-A9640A114447}" srcOrd="0" destOrd="0" presId="urn:microsoft.com/office/officeart/2005/8/layout/matrix3"/>
-    <dgm:cxn modelId="{727DD998-3898-4DA3-BA96-343F1E2CEE78}" type="presOf" srcId="{AA0DDD05-1CF8-41FA-9E22-3730331A4E20}" destId="{8AB65512-7AA3-43F5-AE93-A699E95151FE}" srcOrd="0" destOrd="0" presId="urn:microsoft.com/office/officeart/2005/8/layout/matrix3"/>
-    <dgm:cxn modelId="{8FBAC074-8D82-4175-BAB0-48049F42DF7C}" srcId="{C8AF129C-147A-43AE-9E3F-8AEAD8D05E32}" destId="{CA2D2AA1-5749-41F3-B11B-5623CA1A1189}" srcOrd="1" destOrd="0" parTransId="{AE07B3C6-64A3-46EA-83F4-371E878BDF22}" sibTransId="{03C9832F-5FE0-475E-BF31-F70A509AFE4C}"/>
-    <dgm:cxn modelId="{948B1AA7-3F8F-40C3-A0FA-EAAE2F0C688D}" srcId="{C8AF129C-147A-43AE-9E3F-8AEAD8D05E32}" destId="{AC6A3DEC-F443-42A3-A2F4-4B4750B23218}" srcOrd="0" destOrd="0" parTransId="{A6DF83C7-B4B6-47C7-95E1-18236446F3DD}" sibTransId="{68B0F441-5199-4E95-B4C7-40E2BACB9294}"/>
     <dgm:cxn modelId="{AC305FCC-360E-4E8E-9DD2-ABB7EA8F91D6}" type="presOf" srcId="{6140D27A-ED9F-4C76-A5F8-471CB40F05BA}" destId="{FD871694-8EFC-4DC3-AAE9-E47EC0298D5A}" srcOrd="0" destOrd="0" presId="urn:microsoft.com/office/officeart/2005/8/layout/matrix3"/>
     <dgm:cxn modelId="{EB501FB8-2F1C-43B1-A3C7-EBE6C9396D21}" type="presParOf" srcId="{D5EE1BAB-BB75-4952-A153-A9640A114447}" destId="{661BC4E3-4772-4E7E-ADAE-EE757A546F09}" srcOrd="0" destOrd="0" presId="urn:microsoft.com/office/officeart/2005/8/layout/matrix3"/>
     <dgm:cxn modelId="{604BCA58-FAAB-40D1-AFC9-06E6A0C1C3CD}" type="presParOf" srcId="{D5EE1BAB-BB75-4952-A153-A9640A114447}" destId="{B4FB23B8-F5A4-42B6-8A1B-6C36690BE958}" srcOrd="1" destOrd="0" presId="urn:microsoft.com/office/officeart/2005/8/layout/matrix3"/>
@@ -3369,7 +3382,7 @@
   <dgm:whole/>
   <dgm:extLst>
     <a:ext uri="http://schemas.microsoft.com/office/drawing/2008/diagram">
-      <dsp:dataModelExt xmlns:dsp="http://schemas.microsoft.com/office/drawing/2008/diagram" xmlns="" relId="rId6" minVer="http://schemas.openxmlformats.org/drawingml/2006/diagram"/>
+      <dsp:dataModelExt xmlns:dsp="http://schemas.microsoft.com/office/drawing/2008/diagram" relId="rId6" minVer="http://schemas.openxmlformats.org/drawingml/2006/diagram"/>
     </a:ext>
   </dgm:extLst>
 </dgm:dataModel>
@@ -3399,7 +3412,7 @@
         <a:p>
           <a:pPr latinLnBrk="1"/>
           <a:r>
-            <a:rPr lang="en-US" altLang="ko-KR" dirty="0" smtClean="0"/>
+            <a:rPr lang="en-US" altLang="ko-KR" dirty="0"/>
             <a:t>0</a:t>
           </a:r>
           <a:endParaRPr lang="ko-KR" altLang="en-US" dirty="0"/>
@@ -3439,7 +3452,7 @@
         <a:p>
           <a:pPr latinLnBrk="1"/>
           <a:r>
-            <a:rPr lang="en-US" altLang="ko-KR" b="1" dirty="0" smtClean="0"/>
+            <a:rPr lang="en-US" altLang="ko-KR" b="1" dirty="0"/>
             <a:t>0</a:t>
           </a:r>
           <a:endParaRPr lang="ko-KR" altLang="en-US" b="1" dirty="0"/>
@@ -3479,7 +3492,7 @@
         <a:p>
           <a:pPr latinLnBrk="1"/>
           <a:r>
-            <a:rPr lang="en-US" altLang="ko-KR" dirty="0" smtClean="0"/>
+            <a:rPr lang="en-US" altLang="ko-KR" dirty="0"/>
             <a:t>1</a:t>
           </a:r>
           <a:endParaRPr lang="ko-KR" altLang="en-US" dirty="0"/>
@@ -3519,7 +3532,7 @@
         <a:p>
           <a:pPr latinLnBrk="1"/>
           <a:r>
-            <a:rPr lang="en-US" altLang="ko-KR" dirty="0" smtClean="0"/>
+            <a:rPr lang="en-US" altLang="ko-KR" dirty="0"/>
             <a:t>2</a:t>
           </a:r>
           <a:endParaRPr lang="ko-KR" altLang="en-US" dirty="0"/>
@@ -3741,14 +3754,6 @@
         </dgm:presLayoutVars>
       </dgm:prSet>
       <dgm:spPr/>
-      <dgm:t>
-        <a:bodyPr/>
-        <a:lstStyle/>
-        <a:p>
-          <a:pPr latinLnBrk="1"/>
-          <a:endParaRPr lang="ko-KR" altLang="en-US"/>
-        </a:p>
-      </dgm:t>
     </dgm:pt>
     <dgm:pt modelId="{090F544B-1460-4211-857F-58E795DDD26D}" type="pres">
       <dgm:prSet presAssocID="{8B480F45-B886-4CD1-82A0-0755AB7E406D}" presName="quad2" presStyleLbl="node1" presStyleIdx="1" presStyleCnt="4">
@@ -3759,14 +3764,6 @@
         </dgm:presLayoutVars>
       </dgm:prSet>
       <dgm:spPr/>
-      <dgm:t>
-        <a:bodyPr/>
-        <a:lstStyle/>
-        <a:p>
-          <a:pPr latinLnBrk="1"/>
-          <a:endParaRPr lang="ko-KR" altLang="en-US"/>
-        </a:p>
-      </dgm:t>
     </dgm:pt>
     <dgm:pt modelId="{147A8A20-C091-423F-8B97-591EE43A3EFC}" type="pres">
       <dgm:prSet presAssocID="{8B480F45-B886-4CD1-82A0-0755AB7E406D}" presName="quad3" presStyleLbl="node1" presStyleIdx="2" presStyleCnt="4">
@@ -3777,14 +3774,6 @@
         </dgm:presLayoutVars>
       </dgm:prSet>
       <dgm:spPr/>
-      <dgm:t>
-        <a:bodyPr/>
-        <a:lstStyle/>
-        <a:p>
-          <a:pPr latinLnBrk="1"/>
-          <a:endParaRPr lang="ko-KR" altLang="en-US"/>
-        </a:p>
-      </dgm:t>
     </dgm:pt>
     <dgm:pt modelId="{C066656F-0627-4599-B3A1-5FA359AEE047}" type="pres">
       <dgm:prSet presAssocID="{8B480F45-B886-4CD1-82A0-0755AB7E406D}" presName="quad4" presStyleLbl="node1" presStyleIdx="3" presStyleCnt="4">
@@ -3795,32 +3784,24 @@
         </dgm:presLayoutVars>
       </dgm:prSet>
       <dgm:spPr/>
-      <dgm:t>
-        <a:bodyPr/>
-        <a:lstStyle/>
-        <a:p>
-          <a:pPr latinLnBrk="1"/>
-          <a:endParaRPr lang="ko-KR" altLang="en-US"/>
-        </a:p>
-      </dgm:t>
     </dgm:pt>
   </dgm:ptLst>
   <dgm:cxnLst>
-    <dgm:cxn modelId="{AF17C9AB-CB80-42C7-BEE8-4BDF87F599A9}" type="presOf" srcId="{D5BC37F9-73D9-4211-8A2B-EAFB6C6399AD}" destId="{C066656F-0627-4599-B3A1-5FA359AEE047}" srcOrd="0" destOrd="0" presId="urn:microsoft.com/office/officeart/2005/8/layout/matrix3"/>
     <dgm:cxn modelId="{D6798A0D-547D-4497-BB8E-22D102503AF3}" srcId="{8B480F45-B886-4CD1-82A0-0755AB7E406D}" destId="{D5BC37F9-73D9-4211-8A2B-EAFB6C6399AD}" srcOrd="3" destOrd="0" parTransId="{43219C06-FF78-4F42-823A-A3994D1ECF86}" sibTransId="{AC8893CE-5362-4B53-849B-D26ADF99637B}"/>
-    <dgm:cxn modelId="{5CD5134F-72D4-461A-8783-02C41C216A0C}" srcId="{8B480F45-B886-4CD1-82A0-0755AB7E406D}" destId="{5266C0F9-DDDA-42DA-BF97-1A538026842A}" srcOrd="7" destOrd="0" parTransId="{7BC6837D-1525-445B-8370-43366DFCA3F1}" sibTransId="{90FC457B-C849-42F2-8F4A-4884CA8CBEC7}"/>
     <dgm:cxn modelId="{2A18D821-2CAD-4C3A-A349-10445A0FB35B}" srcId="{8B480F45-B886-4CD1-82A0-0755AB7E406D}" destId="{35E863E5-5F31-4209-A743-A0B367978F7B}" srcOrd="5" destOrd="0" parTransId="{CEF0623D-4129-4BE0-AC71-DAD79E42A125}" sibTransId="{17BB4E41-1CFC-4154-AD25-3D716628A0E0}"/>
     <dgm:cxn modelId="{8AE02024-D01F-46C9-9561-1585BAA1E894}" srcId="{8B480F45-B886-4CD1-82A0-0755AB7E406D}" destId="{0D2773C5-C3C2-4D8E-BA1D-3D3D74EFB669}" srcOrd="1" destOrd="0" parTransId="{2C924048-4457-4CC4-8487-E8B38E1BFD0C}" sibTransId="{EA184FBE-AAEA-4D41-A8FE-264C37D86DC0}"/>
+    <dgm:cxn modelId="{A0DB5726-4B9A-40CB-84D7-CF325488F7F2}" type="presOf" srcId="{761BBB47-1CDA-455E-978A-0759B3AED8F4}" destId="{08CAC317-C1B5-4AC9-B882-90EF385375E4}" srcOrd="0" destOrd="0" presId="urn:microsoft.com/office/officeart/2005/8/layout/matrix3"/>
+    <dgm:cxn modelId="{A4C98E5C-DF41-4AB7-932F-EBD402E832FF}" srcId="{8B480F45-B886-4CD1-82A0-0755AB7E406D}" destId="{C9FE1063-1E27-4164-92ED-B4702DA29511}" srcOrd="2" destOrd="0" parTransId="{20FD96C5-6575-4269-9205-EA0B56D29ABE}" sibTransId="{089B0ABD-790F-4048-B930-F92854B7191C}"/>
+    <dgm:cxn modelId="{5CD5134F-72D4-461A-8783-02C41C216A0C}" srcId="{8B480F45-B886-4CD1-82A0-0755AB7E406D}" destId="{5266C0F9-DDDA-42DA-BF97-1A538026842A}" srcOrd="7" destOrd="0" parTransId="{7BC6837D-1525-445B-8370-43366DFCA3F1}" sibTransId="{90FC457B-C849-42F2-8F4A-4884CA8CBEC7}"/>
+    <dgm:cxn modelId="{0CE3E97A-C6CF-48A0-A01F-98CC9B4FE8CD}" srcId="{8B480F45-B886-4CD1-82A0-0755AB7E406D}" destId="{82501655-5197-4474-AC5B-0BC905E7CEC1}" srcOrd="9" destOrd="0" parTransId="{3AFA3046-2954-4F08-9DD8-58D1A5691F75}" sibTransId="{CFE2981A-CB1F-4063-97CB-52B45019E464}"/>
+    <dgm:cxn modelId="{A7544C84-D93A-4C4D-B042-A3E0BE3E38EF}" type="presOf" srcId="{8B480F45-B886-4CD1-82A0-0755AB7E406D}" destId="{2D447629-1A09-4018-9EFF-953149BC0472}" srcOrd="0" destOrd="0" presId="urn:microsoft.com/office/officeart/2005/8/layout/matrix3"/>
+    <dgm:cxn modelId="{CE52628A-B607-4123-A9BF-FDA1BD2EF842}" srcId="{8B480F45-B886-4CD1-82A0-0755AB7E406D}" destId="{8F2B9674-5895-4953-ACF6-00D0D2B8413C}" srcOrd="8" destOrd="0" parTransId="{A4FFD226-4300-410E-96AB-FB5481FE22CA}" sibTransId="{391CEEB2-8D7E-42F0-8C43-C292A7663225}"/>
+    <dgm:cxn modelId="{C7A6BC94-BC69-46AB-A8D0-6F636F5502D2}" type="presOf" srcId="{0D2773C5-C3C2-4D8E-BA1D-3D3D74EFB669}" destId="{090F544B-1460-4211-857F-58E795DDD26D}" srcOrd="0" destOrd="0" presId="urn:microsoft.com/office/officeart/2005/8/layout/matrix3"/>
+    <dgm:cxn modelId="{B5467797-CAF8-42E5-9F17-21940F76BA3F}" type="presOf" srcId="{C9FE1063-1E27-4164-92ED-B4702DA29511}" destId="{147A8A20-C091-423F-8B97-591EE43A3EFC}" srcOrd="0" destOrd="0" presId="urn:microsoft.com/office/officeart/2005/8/layout/matrix3"/>
+    <dgm:cxn modelId="{AF17C9AB-CB80-42C7-BEE8-4BDF87F599A9}" type="presOf" srcId="{D5BC37F9-73D9-4211-8A2B-EAFB6C6399AD}" destId="{C066656F-0627-4599-B3A1-5FA359AEE047}" srcOrd="0" destOrd="0" presId="urn:microsoft.com/office/officeart/2005/8/layout/matrix3"/>
+    <dgm:cxn modelId="{1D7F72D5-14E3-4A85-8E86-FF535C7D51F5}" srcId="{8B480F45-B886-4CD1-82A0-0755AB7E406D}" destId="{A419F00D-6220-4478-B871-C7CA7588AB5E}" srcOrd="4" destOrd="0" parTransId="{0C824DFE-94BB-445C-B50A-487D5A9051C7}" sibTransId="{EFAE7A1D-1EFB-412A-958A-6310D7BADA48}"/>
     <dgm:cxn modelId="{B34E67F0-F5FC-4CF3-AE5C-72D495E96511}" srcId="{8B480F45-B886-4CD1-82A0-0755AB7E406D}" destId="{761BBB47-1CDA-455E-978A-0759B3AED8F4}" srcOrd="0" destOrd="0" parTransId="{3EA7FEA0-FE51-4AA1-820C-5387048A19F7}" sibTransId="{CC94E290-C94D-4A0C-AEE4-3B4B6B3B9309}"/>
-    <dgm:cxn modelId="{C7A6BC94-BC69-46AB-A8D0-6F636F5502D2}" type="presOf" srcId="{0D2773C5-C3C2-4D8E-BA1D-3D3D74EFB669}" destId="{090F544B-1460-4211-857F-58E795DDD26D}" srcOrd="0" destOrd="0" presId="urn:microsoft.com/office/officeart/2005/8/layout/matrix3"/>
-    <dgm:cxn modelId="{A0DB5726-4B9A-40CB-84D7-CF325488F7F2}" type="presOf" srcId="{761BBB47-1CDA-455E-978A-0759B3AED8F4}" destId="{08CAC317-C1B5-4AC9-B882-90EF385375E4}" srcOrd="0" destOrd="0" presId="urn:microsoft.com/office/officeart/2005/8/layout/matrix3"/>
     <dgm:cxn modelId="{0D30B4FD-8BC3-4083-AC53-F2ECE7E3FFFA}" srcId="{8B480F45-B886-4CD1-82A0-0755AB7E406D}" destId="{5CEA6220-1370-4A59-B311-F4A58456792B}" srcOrd="6" destOrd="0" parTransId="{6C906D8D-B1B1-4F80-AF8D-85803FFFCC3F}" sibTransId="{C1BE1C3F-A717-4236-BC85-3FD6D85792C5}"/>
-    <dgm:cxn modelId="{A7544C84-D93A-4C4D-B042-A3E0BE3E38EF}" type="presOf" srcId="{8B480F45-B886-4CD1-82A0-0755AB7E406D}" destId="{2D447629-1A09-4018-9EFF-953149BC0472}" srcOrd="0" destOrd="0" presId="urn:microsoft.com/office/officeart/2005/8/layout/matrix3"/>
-    <dgm:cxn modelId="{0CE3E97A-C6CF-48A0-A01F-98CC9B4FE8CD}" srcId="{8B480F45-B886-4CD1-82A0-0755AB7E406D}" destId="{82501655-5197-4474-AC5B-0BC905E7CEC1}" srcOrd="9" destOrd="0" parTransId="{3AFA3046-2954-4F08-9DD8-58D1A5691F75}" sibTransId="{CFE2981A-CB1F-4063-97CB-52B45019E464}"/>
-    <dgm:cxn modelId="{A4C98E5C-DF41-4AB7-932F-EBD402E832FF}" srcId="{8B480F45-B886-4CD1-82A0-0755AB7E406D}" destId="{C9FE1063-1E27-4164-92ED-B4702DA29511}" srcOrd="2" destOrd="0" parTransId="{20FD96C5-6575-4269-9205-EA0B56D29ABE}" sibTransId="{089B0ABD-790F-4048-B930-F92854B7191C}"/>
-    <dgm:cxn modelId="{CE52628A-B607-4123-A9BF-FDA1BD2EF842}" srcId="{8B480F45-B886-4CD1-82A0-0755AB7E406D}" destId="{8F2B9674-5895-4953-ACF6-00D0D2B8413C}" srcOrd="8" destOrd="0" parTransId="{A4FFD226-4300-410E-96AB-FB5481FE22CA}" sibTransId="{391CEEB2-8D7E-42F0-8C43-C292A7663225}"/>
-    <dgm:cxn modelId="{1D7F72D5-14E3-4A85-8E86-FF535C7D51F5}" srcId="{8B480F45-B886-4CD1-82A0-0755AB7E406D}" destId="{A419F00D-6220-4478-B871-C7CA7588AB5E}" srcOrd="4" destOrd="0" parTransId="{0C824DFE-94BB-445C-B50A-487D5A9051C7}" sibTransId="{EFAE7A1D-1EFB-412A-958A-6310D7BADA48}"/>
-    <dgm:cxn modelId="{B5467797-CAF8-42E5-9F17-21940F76BA3F}" type="presOf" srcId="{C9FE1063-1E27-4164-92ED-B4702DA29511}" destId="{147A8A20-C091-423F-8B97-591EE43A3EFC}" srcOrd="0" destOrd="0" presId="urn:microsoft.com/office/officeart/2005/8/layout/matrix3"/>
     <dgm:cxn modelId="{1E3AD385-367A-4F58-B4D6-37B68C819A88}" type="presParOf" srcId="{2D447629-1A09-4018-9EFF-953149BC0472}" destId="{5354A844-0C9A-4577-B2E7-EDB87EB54192}" srcOrd="0" destOrd="0" presId="urn:microsoft.com/office/officeart/2005/8/layout/matrix3"/>
     <dgm:cxn modelId="{DCAD12B4-63D4-4D93-96C0-D6F6FA63F423}" type="presParOf" srcId="{2D447629-1A09-4018-9EFF-953149BC0472}" destId="{08CAC317-C1B5-4AC9-B882-90EF385375E4}" srcOrd="1" destOrd="0" presId="urn:microsoft.com/office/officeart/2005/8/layout/matrix3"/>
     <dgm:cxn modelId="{E5E20730-E686-4514-8ABD-8CDE32340F84}" type="presParOf" srcId="{2D447629-1A09-4018-9EFF-953149BC0472}" destId="{090F544B-1460-4211-857F-58E795DDD26D}" srcOrd="2" destOrd="0" presId="urn:microsoft.com/office/officeart/2005/8/layout/matrix3"/>
@@ -3831,7 +3812,7 @@
   <dgm:whole/>
   <dgm:extLst>
     <a:ext uri="http://schemas.microsoft.com/office/drawing/2008/diagram">
-      <dsp:dataModelExt xmlns:dsp="http://schemas.microsoft.com/office/drawing/2008/diagram" xmlns="" relId="rId11" minVer="http://schemas.openxmlformats.org/drawingml/2006/diagram"/>
+      <dsp:dataModelExt xmlns:dsp="http://schemas.microsoft.com/office/drawing/2008/diagram" relId="rId11" minVer="http://schemas.openxmlformats.org/drawingml/2006/diagram"/>
     </a:ext>
   </dgm:extLst>
 </dgm:dataModel>
@@ -3861,7 +3842,7 @@
         <a:p>
           <a:pPr latinLnBrk="1"/>
           <a:r>
-            <a:rPr lang="en-US" altLang="ko-KR" dirty="0" smtClean="0"/>
+            <a:rPr lang="en-US" altLang="ko-KR" dirty="0"/>
             <a:t>0</a:t>
           </a:r>
           <a:endParaRPr lang="ko-KR" altLang="en-US" dirty="0"/>
@@ -3901,7 +3882,7 @@
         <a:p>
           <a:pPr latinLnBrk="1"/>
           <a:r>
-            <a:rPr lang="en-US" altLang="ko-KR" b="1" dirty="0" smtClean="0"/>
+            <a:rPr lang="en-US" altLang="ko-KR" b="1" dirty="0"/>
             <a:t>0</a:t>
           </a:r>
           <a:endParaRPr lang="ko-KR" altLang="en-US" b="1" dirty="0"/>
@@ -3941,7 +3922,7 @@
         <a:p>
           <a:pPr latinLnBrk="1"/>
           <a:r>
-            <a:rPr lang="en-US" altLang="ko-KR" dirty="0" smtClean="0"/>
+            <a:rPr lang="en-US" altLang="ko-KR" dirty="0"/>
             <a:t>2</a:t>
           </a:r>
           <a:endParaRPr lang="ko-KR" altLang="en-US" dirty="0"/>
@@ -3981,7 +3962,7 @@
         <a:p>
           <a:pPr latinLnBrk="1"/>
           <a:r>
-            <a:rPr lang="en-US" altLang="ko-KR" dirty="0" smtClean="0"/>
+            <a:rPr lang="en-US" altLang="ko-KR" dirty="0"/>
             <a:t>3</a:t>
           </a:r>
           <a:endParaRPr lang="ko-KR" altLang="en-US" dirty="0"/>
@@ -4203,14 +4184,6 @@
         </dgm:presLayoutVars>
       </dgm:prSet>
       <dgm:spPr/>
-      <dgm:t>
-        <a:bodyPr/>
-        <a:lstStyle/>
-        <a:p>
-          <a:pPr latinLnBrk="1"/>
-          <a:endParaRPr lang="ko-KR" altLang="en-US"/>
-        </a:p>
-      </dgm:t>
     </dgm:pt>
     <dgm:pt modelId="{090F544B-1460-4211-857F-58E795DDD26D}" type="pres">
       <dgm:prSet presAssocID="{8B480F45-B886-4CD1-82A0-0755AB7E406D}" presName="quad2" presStyleLbl="node1" presStyleIdx="1" presStyleCnt="4">
@@ -4221,14 +4194,6 @@
         </dgm:presLayoutVars>
       </dgm:prSet>
       <dgm:spPr/>
-      <dgm:t>
-        <a:bodyPr/>
-        <a:lstStyle/>
-        <a:p>
-          <a:pPr latinLnBrk="1"/>
-          <a:endParaRPr lang="ko-KR" altLang="en-US"/>
-        </a:p>
-      </dgm:t>
     </dgm:pt>
     <dgm:pt modelId="{147A8A20-C091-423F-8B97-591EE43A3EFC}" type="pres">
       <dgm:prSet presAssocID="{8B480F45-B886-4CD1-82A0-0755AB7E406D}" presName="quad3" presStyleLbl="node1" presStyleIdx="2" presStyleCnt="4">
@@ -4239,14 +4204,6 @@
         </dgm:presLayoutVars>
       </dgm:prSet>
       <dgm:spPr/>
-      <dgm:t>
-        <a:bodyPr/>
-        <a:lstStyle/>
-        <a:p>
-          <a:pPr latinLnBrk="1"/>
-          <a:endParaRPr lang="ko-KR" altLang="en-US"/>
-        </a:p>
-      </dgm:t>
     </dgm:pt>
     <dgm:pt modelId="{C066656F-0627-4599-B3A1-5FA359AEE047}" type="pres">
       <dgm:prSet presAssocID="{8B480F45-B886-4CD1-82A0-0755AB7E406D}" presName="quad4" presStyleLbl="node1" presStyleIdx="3" presStyleCnt="4">
@@ -4260,21 +4217,21 @@
     </dgm:pt>
   </dgm:ptLst>
   <dgm:cxnLst>
+    <dgm:cxn modelId="{D6798A0D-547D-4497-BB8E-22D102503AF3}" srcId="{8B480F45-B886-4CD1-82A0-0755AB7E406D}" destId="{D5BC37F9-73D9-4211-8A2B-EAFB6C6399AD}" srcOrd="3" destOrd="0" parTransId="{43219C06-FF78-4F42-823A-A3994D1ECF86}" sibTransId="{AC8893CE-5362-4B53-849B-D26ADF99637B}"/>
+    <dgm:cxn modelId="{2A18D821-2CAD-4C3A-A349-10445A0FB35B}" srcId="{8B480F45-B886-4CD1-82A0-0755AB7E406D}" destId="{35E863E5-5F31-4209-A743-A0B367978F7B}" srcOrd="5" destOrd="0" parTransId="{CEF0623D-4129-4BE0-AC71-DAD79E42A125}" sibTransId="{17BB4E41-1CFC-4154-AD25-3D716628A0E0}"/>
+    <dgm:cxn modelId="{8AE02024-D01F-46C9-9561-1585BAA1E894}" srcId="{8B480F45-B886-4CD1-82A0-0755AB7E406D}" destId="{0D2773C5-C3C2-4D8E-BA1D-3D3D74EFB669}" srcOrd="1" destOrd="0" parTransId="{2C924048-4457-4CC4-8487-E8B38E1BFD0C}" sibTransId="{EA184FBE-AAEA-4D41-A8FE-264C37D86DC0}"/>
+    <dgm:cxn modelId="{A4C98E5C-DF41-4AB7-932F-EBD402E832FF}" srcId="{8B480F45-B886-4CD1-82A0-0755AB7E406D}" destId="{C9FE1063-1E27-4164-92ED-B4702DA29511}" srcOrd="2" destOrd="0" parTransId="{20FD96C5-6575-4269-9205-EA0B56D29ABE}" sibTransId="{089B0ABD-790F-4048-B930-F92854B7191C}"/>
+    <dgm:cxn modelId="{5CD5134F-72D4-461A-8783-02C41C216A0C}" srcId="{8B480F45-B886-4CD1-82A0-0755AB7E406D}" destId="{5266C0F9-DDDA-42DA-BF97-1A538026842A}" srcOrd="7" destOrd="0" parTransId="{7BC6837D-1525-445B-8370-43366DFCA3F1}" sibTransId="{90FC457B-C849-42F2-8F4A-4884CA8CBEC7}"/>
     <dgm:cxn modelId="{B254755A-9673-4CDA-89C1-ECEFA80959B9}" type="presOf" srcId="{8B480F45-B886-4CD1-82A0-0755AB7E406D}" destId="{2D447629-1A09-4018-9EFF-953149BC0472}" srcOrd="0" destOrd="0" presId="urn:microsoft.com/office/officeart/2005/8/layout/matrix3"/>
-    <dgm:cxn modelId="{D6798A0D-547D-4497-BB8E-22D102503AF3}" srcId="{8B480F45-B886-4CD1-82A0-0755AB7E406D}" destId="{D5BC37F9-73D9-4211-8A2B-EAFB6C6399AD}" srcOrd="3" destOrd="0" parTransId="{43219C06-FF78-4F42-823A-A3994D1ECF86}" sibTransId="{AC8893CE-5362-4B53-849B-D26ADF99637B}"/>
-    <dgm:cxn modelId="{5CD5134F-72D4-461A-8783-02C41C216A0C}" srcId="{8B480F45-B886-4CD1-82A0-0755AB7E406D}" destId="{5266C0F9-DDDA-42DA-BF97-1A538026842A}" srcOrd="7" destOrd="0" parTransId="{7BC6837D-1525-445B-8370-43366DFCA3F1}" sibTransId="{90FC457B-C849-42F2-8F4A-4884CA8CBEC7}"/>
-    <dgm:cxn modelId="{2A18D821-2CAD-4C3A-A349-10445A0FB35B}" srcId="{8B480F45-B886-4CD1-82A0-0755AB7E406D}" destId="{35E863E5-5F31-4209-A743-A0B367978F7B}" srcOrd="5" destOrd="0" parTransId="{CEF0623D-4129-4BE0-AC71-DAD79E42A125}" sibTransId="{17BB4E41-1CFC-4154-AD25-3D716628A0E0}"/>
+    <dgm:cxn modelId="{2764D27A-9B47-4CB8-9751-A1517C9BE148}" type="presOf" srcId="{D5BC37F9-73D9-4211-8A2B-EAFB6C6399AD}" destId="{C066656F-0627-4599-B3A1-5FA359AEE047}" srcOrd="0" destOrd="0" presId="urn:microsoft.com/office/officeart/2005/8/layout/matrix3"/>
+    <dgm:cxn modelId="{0CE3E97A-C6CF-48A0-A01F-98CC9B4FE8CD}" srcId="{8B480F45-B886-4CD1-82A0-0755AB7E406D}" destId="{82501655-5197-4474-AC5B-0BC905E7CEC1}" srcOrd="9" destOrd="0" parTransId="{3AFA3046-2954-4F08-9DD8-58D1A5691F75}" sibTransId="{CFE2981A-CB1F-4063-97CB-52B45019E464}"/>
+    <dgm:cxn modelId="{CE52628A-B607-4123-A9BF-FDA1BD2EF842}" srcId="{8B480F45-B886-4CD1-82A0-0755AB7E406D}" destId="{8F2B9674-5895-4953-ACF6-00D0D2B8413C}" srcOrd="8" destOrd="0" parTransId="{A4FFD226-4300-410E-96AB-FB5481FE22CA}" sibTransId="{391CEEB2-8D7E-42F0-8C43-C292A7663225}"/>
+    <dgm:cxn modelId="{63A80CBA-5B4C-4E07-ADC8-1D71102B25E7}" type="presOf" srcId="{C9FE1063-1E27-4164-92ED-B4702DA29511}" destId="{147A8A20-C091-423F-8B97-591EE43A3EFC}" srcOrd="0" destOrd="0" presId="urn:microsoft.com/office/officeart/2005/8/layout/matrix3"/>
+    <dgm:cxn modelId="{52627CD1-532A-4911-803D-B08297B5BCA9}" type="presOf" srcId="{0D2773C5-C3C2-4D8E-BA1D-3D3D74EFB669}" destId="{090F544B-1460-4211-857F-58E795DDD26D}" srcOrd="0" destOrd="0" presId="urn:microsoft.com/office/officeart/2005/8/layout/matrix3"/>
+    <dgm:cxn modelId="{1D7F72D5-14E3-4A85-8E86-FF535C7D51F5}" srcId="{8B480F45-B886-4CD1-82A0-0755AB7E406D}" destId="{A419F00D-6220-4478-B871-C7CA7588AB5E}" srcOrd="4" destOrd="0" parTransId="{0C824DFE-94BB-445C-B50A-487D5A9051C7}" sibTransId="{EFAE7A1D-1EFB-412A-958A-6310D7BADA48}"/>
     <dgm:cxn modelId="{53CB68E4-4869-4B0E-A303-9CB75EEFCB55}" type="presOf" srcId="{761BBB47-1CDA-455E-978A-0759B3AED8F4}" destId="{08CAC317-C1B5-4AC9-B882-90EF385375E4}" srcOrd="0" destOrd="0" presId="urn:microsoft.com/office/officeart/2005/8/layout/matrix3"/>
-    <dgm:cxn modelId="{8AE02024-D01F-46C9-9561-1585BAA1E894}" srcId="{8B480F45-B886-4CD1-82A0-0755AB7E406D}" destId="{0D2773C5-C3C2-4D8E-BA1D-3D3D74EFB669}" srcOrd="1" destOrd="0" parTransId="{2C924048-4457-4CC4-8487-E8B38E1BFD0C}" sibTransId="{EA184FBE-AAEA-4D41-A8FE-264C37D86DC0}"/>
     <dgm:cxn modelId="{B34E67F0-F5FC-4CF3-AE5C-72D495E96511}" srcId="{8B480F45-B886-4CD1-82A0-0755AB7E406D}" destId="{761BBB47-1CDA-455E-978A-0759B3AED8F4}" srcOrd="0" destOrd="0" parTransId="{3EA7FEA0-FE51-4AA1-820C-5387048A19F7}" sibTransId="{CC94E290-C94D-4A0C-AEE4-3B4B6B3B9309}"/>
     <dgm:cxn modelId="{0D30B4FD-8BC3-4083-AC53-F2ECE7E3FFFA}" srcId="{8B480F45-B886-4CD1-82A0-0755AB7E406D}" destId="{5CEA6220-1370-4A59-B311-F4A58456792B}" srcOrd="6" destOrd="0" parTransId="{6C906D8D-B1B1-4F80-AF8D-85803FFFCC3F}" sibTransId="{C1BE1C3F-A717-4236-BC85-3FD6D85792C5}"/>
-    <dgm:cxn modelId="{0CE3E97A-C6CF-48A0-A01F-98CC9B4FE8CD}" srcId="{8B480F45-B886-4CD1-82A0-0755AB7E406D}" destId="{82501655-5197-4474-AC5B-0BC905E7CEC1}" srcOrd="9" destOrd="0" parTransId="{3AFA3046-2954-4F08-9DD8-58D1A5691F75}" sibTransId="{CFE2981A-CB1F-4063-97CB-52B45019E464}"/>
-    <dgm:cxn modelId="{2764D27A-9B47-4CB8-9751-A1517C9BE148}" type="presOf" srcId="{D5BC37F9-73D9-4211-8A2B-EAFB6C6399AD}" destId="{C066656F-0627-4599-B3A1-5FA359AEE047}" srcOrd="0" destOrd="0" presId="urn:microsoft.com/office/officeart/2005/8/layout/matrix3"/>
-    <dgm:cxn modelId="{63A80CBA-5B4C-4E07-ADC8-1D71102B25E7}" type="presOf" srcId="{C9FE1063-1E27-4164-92ED-B4702DA29511}" destId="{147A8A20-C091-423F-8B97-591EE43A3EFC}" srcOrd="0" destOrd="0" presId="urn:microsoft.com/office/officeart/2005/8/layout/matrix3"/>
-    <dgm:cxn modelId="{A4C98E5C-DF41-4AB7-932F-EBD402E832FF}" srcId="{8B480F45-B886-4CD1-82A0-0755AB7E406D}" destId="{C9FE1063-1E27-4164-92ED-B4702DA29511}" srcOrd="2" destOrd="0" parTransId="{20FD96C5-6575-4269-9205-EA0B56D29ABE}" sibTransId="{089B0ABD-790F-4048-B930-F92854B7191C}"/>
-    <dgm:cxn modelId="{CE52628A-B607-4123-A9BF-FDA1BD2EF842}" srcId="{8B480F45-B886-4CD1-82A0-0755AB7E406D}" destId="{8F2B9674-5895-4953-ACF6-00D0D2B8413C}" srcOrd="8" destOrd="0" parTransId="{A4FFD226-4300-410E-96AB-FB5481FE22CA}" sibTransId="{391CEEB2-8D7E-42F0-8C43-C292A7663225}"/>
-    <dgm:cxn modelId="{1D7F72D5-14E3-4A85-8E86-FF535C7D51F5}" srcId="{8B480F45-B886-4CD1-82A0-0755AB7E406D}" destId="{A419F00D-6220-4478-B871-C7CA7588AB5E}" srcOrd="4" destOrd="0" parTransId="{0C824DFE-94BB-445C-B50A-487D5A9051C7}" sibTransId="{EFAE7A1D-1EFB-412A-958A-6310D7BADA48}"/>
-    <dgm:cxn modelId="{52627CD1-532A-4911-803D-B08297B5BCA9}" type="presOf" srcId="{0D2773C5-C3C2-4D8E-BA1D-3D3D74EFB669}" destId="{090F544B-1460-4211-857F-58E795DDD26D}" srcOrd="0" destOrd="0" presId="urn:microsoft.com/office/officeart/2005/8/layout/matrix3"/>
     <dgm:cxn modelId="{56F71B2E-7EA8-4031-BF69-5FFB44E1456C}" type="presParOf" srcId="{2D447629-1A09-4018-9EFF-953149BC0472}" destId="{5354A844-0C9A-4577-B2E7-EDB87EB54192}" srcOrd="0" destOrd="0" presId="urn:microsoft.com/office/officeart/2005/8/layout/matrix3"/>
     <dgm:cxn modelId="{B8058D7A-1EF5-4089-B78F-18EA7819EBA6}" type="presParOf" srcId="{2D447629-1A09-4018-9EFF-953149BC0472}" destId="{08CAC317-C1B5-4AC9-B882-90EF385375E4}" srcOrd="1" destOrd="0" presId="urn:microsoft.com/office/officeart/2005/8/layout/matrix3"/>
     <dgm:cxn modelId="{B893AC09-6653-4F8A-AE58-719D5675B7B7}" type="presParOf" srcId="{2D447629-1A09-4018-9EFF-953149BC0472}" destId="{090F544B-1460-4211-857F-58E795DDD26D}" srcOrd="2" destOrd="0" presId="urn:microsoft.com/office/officeart/2005/8/layout/matrix3"/>
@@ -4285,7 +4242,7 @@
   <dgm:whole/>
   <dgm:extLst>
     <a:ext uri="http://schemas.microsoft.com/office/drawing/2008/diagram">
-      <dsp:dataModelExt xmlns:dsp="http://schemas.microsoft.com/office/drawing/2008/diagram" xmlns="" relId="rId16" minVer="http://schemas.openxmlformats.org/drawingml/2006/diagram"/>
+      <dsp:dataModelExt xmlns:dsp="http://schemas.microsoft.com/office/drawing/2008/diagram" relId="rId16" minVer="http://schemas.openxmlformats.org/drawingml/2006/diagram"/>
     </a:ext>
   </dgm:extLst>
 </dgm:dataModel>
@@ -4315,7 +4272,7 @@
         <a:p>
           <a:pPr latinLnBrk="1"/>
           <a:r>
-            <a:rPr lang="en-US" altLang="ko-KR" dirty="0" smtClean="0"/>
+            <a:rPr lang="en-US" altLang="ko-KR" dirty="0"/>
             <a:t>1</a:t>
           </a:r>
           <a:endParaRPr lang="ko-KR" altLang="en-US" dirty="0"/>
@@ -4355,7 +4312,7 @@
         <a:p>
           <a:pPr latinLnBrk="1"/>
           <a:r>
-            <a:rPr lang="en-US" altLang="ko-KR" dirty="0" smtClean="0"/>
+            <a:rPr lang="en-US" altLang="ko-KR" dirty="0"/>
             <a:t>5</a:t>
           </a:r>
           <a:endParaRPr lang="ko-KR" altLang="en-US" dirty="0"/>
@@ -4395,7 +4352,7 @@
         <a:p>
           <a:pPr latinLnBrk="1"/>
           <a:r>
-            <a:rPr lang="en-US" altLang="ko-KR" dirty="0" smtClean="0"/>
+            <a:rPr lang="en-US" altLang="ko-KR" dirty="0"/>
             <a:t>6</a:t>
           </a:r>
           <a:endParaRPr lang="ko-KR" altLang="en-US" dirty="0"/>
@@ -4435,7 +4392,7 @@
         <a:p>
           <a:pPr latinLnBrk="1"/>
           <a:r>
-            <a:rPr lang="en-US" altLang="ko-KR" dirty="0" smtClean="0"/>
+            <a:rPr lang="en-US" altLang="ko-KR" dirty="0"/>
             <a:t>1</a:t>
           </a:r>
           <a:endParaRPr lang="ko-KR" altLang="en-US" dirty="0"/>
@@ -4489,14 +4446,6 @@
         </dgm:presLayoutVars>
       </dgm:prSet>
       <dgm:spPr/>
-      <dgm:t>
-        <a:bodyPr/>
-        <a:lstStyle/>
-        <a:p>
-          <a:pPr latinLnBrk="1"/>
-          <a:endParaRPr lang="ko-KR" altLang="en-US"/>
-        </a:p>
-      </dgm:t>
     </dgm:pt>
     <dgm:pt modelId="{8035222F-0E43-46E7-84CE-C566F21891A2}" type="pres">
       <dgm:prSet presAssocID="{C8AF129C-147A-43AE-9E3F-8AEAD8D05E32}" presName="quad2" presStyleLbl="node1" presStyleIdx="1" presStyleCnt="4">
@@ -4507,14 +4456,6 @@
         </dgm:presLayoutVars>
       </dgm:prSet>
       <dgm:spPr/>
-      <dgm:t>
-        <a:bodyPr/>
-        <a:lstStyle/>
-        <a:p>
-          <a:pPr latinLnBrk="1"/>
-          <a:endParaRPr lang="ko-KR" altLang="en-US"/>
-        </a:p>
-      </dgm:t>
     </dgm:pt>
     <dgm:pt modelId="{FD871694-8EFC-4DC3-AAE9-E47EC0298D5A}" type="pres">
       <dgm:prSet presAssocID="{C8AF129C-147A-43AE-9E3F-8AEAD8D05E32}" presName="quad3" presStyleLbl="node1" presStyleIdx="2" presStyleCnt="4">
@@ -4525,14 +4466,6 @@
         </dgm:presLayoutVars>
       </dgm:prSet>
       <dgm:spPr/>
-      <dgm:t>
-        <a:bodyPr/>
-        <a:lstStyle/>
-        <a:p>
-          <a:pPr latinLnBrk="1"/>
-          <a:endParaRPr lang="ko-KR" altLang="en-US"/>
-        </a:p>
-      </dgm:t>
     </dgm:pt>
     <dgm:pt modelId="{8AB65512-7AA3-43F5-AE93-A699E95151FE}" type="pres">
       <dgm:prSet presAssocID="{C8AF129C-147A-43AE-9E3F-8AEAD8D05E32}" presName="quad4" presStyleLbl="node1" presStyleIdx="3" presStyleCnt="4">
@@ -4543,26 +4476,18 @@
         </dgm:presLayoutVars>
       </dgm:prSet>
       <dgm:spPr/>
-      <dgm:t>
-        <a:bodyPr/>
-        <a:lstStyle/>
-        <a:p>
-          <a:pPr latinLnBrk="1"/>
-          <a:endParaRPr lang="ko-KR" altLang="en-US"/>
-        </a:p>
-      </dgm:t>
     </dgm:pt>
   </dgm:ptLst>
   <dgm:cxnLst>
+    <dgm:cxn modelId="{92E9A423-7477-455F-BE36-2EC2C91DE40C}" srcId="{C8AF129C-147A-43AE-9E3F-8AEAD8D05E32}" destId="{AA0DDD05-1CF8-41FA-9E22-3730331A4E20}" srcOrd="3" destOrd="0" parTransId="{6B7400B9-B774-4831-AB60-6C881E2839E0}" sibTransId="{785EB683-0783-481D-912D-EFD3F591C6AF}"/>
     <dgm:cxn modelId="{9DA8C535-3277-4E1C-8E9C-91638C0EA486}" type="presOf" srcId="{6140D27A-ED9F-4C76-A5F8-471CB40F05BA}" destId="{FD871694-8EFC-4DC3-AAE9-E47EC0298D5A}" srcOrd="0" destOrd="0" presId="urn:microsoft.com/office/officeart/2005/8/layout/matrix3"/>
-    <dgm:cxn modelId="{92E9A423-7477-455F-BE36-2EC2C91DE40C}" srcId="{C8AF129C-147A-43AE-9E3F-8AEAD8D05E32}" destId="{AA0DDD05-1CF8-41FA-9E22-3730331A4E20}" srcOrd="3" destOrd="0" parTransId="{6B7400B9-B774-4831-AB60-6C881E2839E0}" sibTransId="{785EB683-0783-481D-912D-EFD3F591C6AF}"/>
-    <dgm:cxn modelId="{213250B2-3473-447D-B931-F67EC00F8570}" type="presOf" srcId="{AA0DDD05-1CF8-41FA-9E22-3730331A4E20}" destId="{8AB65512-7AA3-43F5-AE93-A699E95151FE}" srcOrd="0" destOrd="0" presId="urn:microsoft.com/office/officeart/2005/8/layout/matrix3"/>
-    <dgm:cxn modelId="{8F307B9C-BA44-4713-9FEC-3C8DEC803B84}" srcId="{C8AF129C-147A-43AE-9E3F-8AEAD8D05E32}" destId="{6140D27A-ED9F-4C76-A5F8-471CB40F05BA}" srcOrd="2" destOrd="0" parTransId="{030A2BEF-23EB-421D-876F-676F1148A7D4}" sibTransId="{3C173B7F-4B26-483C-A809-0E6085AC972D}"/>
-    <dgm:cxn modelId="{F869AABD-E037-4B3B-B70C-5CBD5980304C}" type="presOf" srcId="{C8AF129C-147A-43AE-9E3F-8AEAD8D05E32}" destId="{D5EE1BAB-BB75-4952-A153-A9640A114447}" srcOrd="0" destOrd="0" presId="urn:microsoft.com/office/officeart/2005/8/layout/matrix3"/>
-    <dgm:cxn modelId="{D1BD0ABA-3D7D-4504-8A9C-1D0ACB458FE2}" type="presOf" srcId="{AC6A3DEC-F443-42A3-A2F4-4B4750B23218}" destId="{B4FB23B8-F5A4-42B6-8A1B-6C36690BE958}" srcOrd="0" destOrd="0" presId="urn:microsoft.com/office/officeart/2005/8/layout/matrix3"/>
     <dgm:cxn modelId="{8FBAC074-8D82-4175-BAB0-48049F42DF7C}" srcId="{C8AF129C-147A-43AE-9E3F-8AEAD8D05E32}" destId="{CA2D2AA1-5749-41F3-B11B-5623CA1A1189}" srcOrd="1" destOrd="0" parTransId="{AE07B3C6-64A3-46EA-83F4-371E878BDF22}" sibTransId="{03C9832F-5FE0-475E-BF31-F70A509AFE4C}"/>
     <dgm:cxn modelId="{F75F6E90-BA0A-40F6-88A7-E31B243DEFB1}" type="presOf" srcId="{CA2D2AA1-5749-41F3-B11B-5623CA1A1189}" destId="{8035222F-0E43-46E7-84CE-C566F21891A2}" srcOrd="0" destOrd="0" presId="urn:microsoft.com/office/officeart/2005/8/layout/matrix3"/>
+    <dgm:cxn modelId="{8F307B9C-BA44-4713-9FEC-3C8DEC803B84}" srcId="{C8AF129C-147A-43AE-9E3F-8AEAD8D05E32}" destId="{6140D27A-ED9F-4C76-A5F8-471CB40F05BA}" srcOrd="2" destOrd="0" parTransId="{030A2BEF-23EB-421D-876F-676F1148A7D4}" sibTransId="{3C173B7F-4B26-483C-A809-0E6085AC972D}"/>
     <dgm:cxn modelId="{948B1AA7-3F8F-40C3-A0FA-EAAE2F0C688D}" srcId="{C8AF129C-147A-43AE-9E3F-8AEAD8D05E32}" destId="{AC6A3DEC-F443-42A3-A2F4-4B4750B23218}" srcOrd="0" destOrd="0" parTransId="{A6DF83C7-B4B6-47C7-95E1-18236446F3DD}" sibTransId="{68B0F441-5199-4E95-B4C7-40E2BACB9294}"/>
+    <dgm:cxn modelId="{213250B2-3473-447D-B931-F67EC00F8570}" type="presOf" srcId="{AA0DDD05-1CF8-41FA-9E22-3730331A4E20}" destId="{8AB65512-7AA3-43F5-AE93-A699E95151FE}" srcOrd="0" destOrd="0" presId="urn:microsoft.com/office/officeart/2005/8/layout/matrix3"/>
+    <dgm:cxn modelId="{D1BD0ABA-3D7D-4504-8A9C-1D0ACB458FE2}" type="presOf" srcId="{AC6A3DEC-F443-42A3-A2F4-4B4750B23218}" destId="{B4FB23B8-F5A4-42B6-8A1B-6C36690BE958}" srcOrd="0" destOrd="0" presId="urn:microsoft.com/office/officeart/2005/8/layout/matrix3"/>
+    <dgm:cxn modelId="{F869AABD-E037-4B3B-B70C-5CBD5980304C}" type="presOf" srcId="{C8AF129C-147A-43AE-9E3F-8AEAD8D05E32}" destId="{D5EE1BAB-BB75-4952-A153-A9640A114447}" srcOrd="0" destOrd="0" presId="urn:microsoft.com/office/officeart/2005/8/layout/matrix3"/>
     <dgm:cxn modelId="{BCCFBADB-2A97-4682-9223-65AEF84F601E}" type="presParOf" srcId="{D5EE1BAB-BB75-4952-A153-A9640A114447}" destId="{661BC4E3-4772-4E7E-ADAE-EE757A546F09}" srcOrd="0" destOrd="0" presId="urn:microsoft.com/office/officeart/2005/8/layout/matrix3"/>
     <dgm:cxn modelId="{A7448F8B-7395-41E8-B448-94EC859BAF48}" type="presParOf" srcId="{D5EE1BAB-BB75-4952-A153-A9640A114447}" destId="{B4FB23B8-F5A4-42B6-8A1B-6C36690BE958}" srcOrd="1" destOrd="0" presId="urn:microsoft.com/office/officeart/2005/8/layout/matrix3"/>
     <dgm:cxn modelId="{0AFB7EDD-ECFD-4327-A67F-7829834F84BB}" type="presParOf" srcId="{D5EE1BAB-BB75-4952-A153-A9640A114447}" destId="{8035222F-0E43-46E7-84CE-C566F21891A2}" srcOrd="2" destOrd="0" presId="urn:microsoft.com/office/officeart/2005/8/layout/matrix3"/>
@@ -4573,14 +4498,14 @@
   <dgm:whole/>
   <dgm:extLst>
     <a:ext uri="http://schemas.microsoft.com/office/drawing/2008/diagram">
-      <dsp:dataModelExt xmlns:dsp="http://schemas.microsoft.com/office/drawing/2008/diagram" xmlns="" relId="rId21" minVer="http://schemas.openxmlformats.org/drawingml/2006/diagram"/>
+      <dsp:dataModelExt xmlns:dsp="http://schemas.microsoft.com/office/drawing/2008/diagram" relId="rId21" minVer="http://schemas.openxmlformats.org/drawingml/2006/diagram"/>
     </a:ext>
   </dgm:extLst>
 </dgm:dataModel>
 </file>
 
 <file path=ppt/diagrams/drawing1.xml><?xml version="1.0" encoding="utf-8"?>
-<dsp:drawing xmlns:dgm="http://schemas.openxmlformats.org/drawingml/2006/diagram" xmlns:a="http://schemas.openxmlformats.org/drawingml/2006/main" xmlns:dsp="http://schemas.microsoft.com/office/drawing/2008/diagram">
+<dsp:drawing xmlns:dgm="http://schemas.openxmlformats.org/drawingml/2006/diagram" xmlns:dsp="http://schemas.microsoft.com/office/drawing/2008/diagram" xmlns:a="http://schemas.openxmlformats.org/drawingml/2006/main">
   <dsp:spTree>
     <dsp:nvGrpSpPr>
       <dsp:cNvPr id="0" name=""/>
@@ -4685,7 +4610,7 @@
         </a:bodyPr>
         <a:lstStyle/>
         <a:p>
-          <a:pPr lvl="0" algn="ctr" defTabSz="2533650" latinLnBrk="1">
+          <a:pPr marL="0" lvl="0" indent="0" algn="ctr" defTabSz="2533650" latinLnBrk="1">
             <a:lnSpc>
               <a:spcPct val="90000"/>
             </a:lnSpc>
@@ -4695,17 +4620,18 @@
             <a:spcAft>
               <a:spcPct val="35000"/>
             </a:spcAft>
+            <a:buNone/>
           </a:pPr>
           <a:r>
-            <a:rPr lang="en-US" altLang="ko-KR" sz="5700" kern="1200" dirty="0" smtClean="0"/>
+            <a:rPr lang="en-US" altLang="ko-KR" sz="5700" kern="1200" dirty="0"/>
             <a:t>1</a:t>
           </a:r>
           <a:endParaRPr lang="ko-KR" altLang="en-US" sz="5700" kern="1200" dirty="0"/>
         </a:p>
       </dsp:txBody>
       <dsp:txXfrm>
-        <a:off x="2281784" y="429966"/>
-        <a:ext cx="1765125" cy="1765125"/>
+        <a:off x="2367950" y="516132"/>
+        <a:ext cx="1592793" cy="1592793"/>
       </dsp:txXfrm>
     </dsp:sp>
     <dsp:sp modelId="{8035222F-0E43-46E7-84CE-C566F21891A2}">
@@ -4759,7 +4685,7 @@
         </a:bodyPr>
         <a:lstStyle/>
         <a:p>
-          <a:pPr lvl="0" algn="ctr" defTabSz="2533650" latinLnBrk="1">
+          <a:pPr marL="0" lvl="0" indent="0" algn="ctr" defTabSz="2533650" latinLnBrk="1">
             <a:lnSpc>
               <a:spcPct val="90000"/>
             </a:lnSpc>
@@ -4769,17 +4695,18 @@
             <a:spcAft>
               <a:spcPct val="35000"/>
             </a:spcAft>
+            <a:buNone/>
           </a:pPr>
           <a:r>
-            <a:rPr lang="en-US" altLang="ko-KR" sz="5700" kern="1200" dirty="0" smtClean="0"/>
+            <a:rPr lang="en-US" altLang="ko-KR" sz="5700" kern="1200" dirty="0"/>
             <a:t>1</a:t>
           </a:r>
           <a:endParaRPr lang="ko-KR" altLang="en-US" sz="5700" kern="1200" dirty="0"/>
         </a:p>
       </dsp:txBody>
       <dsp:txXfrm>
-        <a:off x="4182689" y="429966"/>
-        <a:ext cx="1765125" cy="1765125"/>
+        <a:off x="4268855" y="516132"/>
+        <a:ext cx="1592793" cy="1592793"/>
       </dsp:txXfrm>
     </dsp:sp>
     <dsp:sp modelId="{FD871694-8EFC-4DC3-AAE9-E47EC0298D5A}">
@@ -4833,7 +4760,7 @@
         </a:bodyPr>
         <a:lstStyle/>
         <a:p>
-          <a:pPr lvl="0" algn="ctr" defTabSz="2533650" latinLnBrk="1">
+          <a:pPr marL="0" lvl="0" indent="0" algn="ctr" defTabSz="2533650" latinLnBrk="1">
             <a:lnSpc>
               <a:spcPct val="90000"/>
             </a:lnSpc>
@@ -4843,17 +4770,18 @@
             <a:spcAft>
               <a:spcPct val="35000"/>
             </a:spcAft>
+            <a:buNone/>
           </a:pPr>
           <a:r>
-            <a:rPr lang="en-US" altLang="ko-KR" sz="5700" kern="1200" dirty="0" smtClean="0"/>
+            <a:rPr lang="en-US" altLang="ko-KR" sz="5700" kern="1200" dirty="0"/>
             <a:t>4</a:t>
           </a:r>
           <a:endParaRPr lang="ko-KR" altLang="en-US" sz="5700" kern="1200" dirty="0"/>
         </a:p>
       </dsp:txBody>
       <dsp:txXfrm>
-        <a:off x="2281784" y="2330870"/>
-        <a:ext cx="1765125" cy="1765125"/>
+        <a:off x="2367950" y="2417036"/>
+        <a:ext cx="1592793" cy="1592793"/>
       </dsp:txXfrm>
     </dsp:sp>
     <dsp:sp modelId="{8AB65512-7AA3-43F5-AE93-A699E95151FE}">
@@ -4907,7 +4835,7 @@
         </a:bodyPr>
         <a:lstStyle/>
         <a:p>
-          <a:pPr lvl="0" algn="ctr" defTabSz="2533650" latinLnBrk="1">
+          <a:pPr marL="0" lvl="0" indent="0" algn="ctr" defTabSz="2533650" latinLnBrk="1">
             <a:lnSpc>
               <a:spcPct val="90000"/>
             </a:lnSpc>
@@ -4917,17 +4845,18 @@
             <a:spcAft>
               <a:spcPct val="35000"/>
             </a:spcAft>
+            <a:buNone/>
           </a:pPr>
           <a:r>
-            <a:rPr lang="en-US" altLang="ko-KR" sz="5700" kern="1200" dirty="0" smtClean="0"/>
+            <a:rPr lang="en-US" altLang="ko-KR" sz="5700" kern="1200" dirty="0"/>
             <a:t>5</a:t>
           </a:r>
           <a:endParaRPr lang="ko-KR" altLang="en-US" sz="5700" kern="1200" dirty="0"/>
         </a:p>
       </dsp:txBody>
       <dsp:txXfrm>
-        <a:off x="4182689" y="2330870"/>
-        <a:ext cx="1765125" cy="1765125"/>
+        <a:off x="4268855" y="2417036"/>
+        <a:ext cx="1592793" cy="1592793"/>
       </dsp:txXfrm>
     </dsp:sp>
   </dsp:spTree>
@@ -4935,7 +4864,7 @@
 </file>
 
 <file path=ppt/diagrams/drawing2.xml><?xml version="1.0" encoding="utf-8"?>
-<dsp:drawing xmlns:dgm="http://schemas.openxmlformats.org/drawingml/2006/diagram" xmlns:a="http://schemas.openxmlformats.org/drawingml/2006/main" xmlns:dsp="http://schemas.microsoft.com/office/drawing/2008/diagram">
+<dsp:drawing xmlns:dgm="http://schemas.openxmlformats.org/drawingml/2006/diagram" xmlns:dsp="http://schemas.microsoft.com/office/drawing/2008/diagram" xmlns:a="http://schemas.openxmlformats.org/drawingml/2006/main">
   <dsp:spTree>
     <dsp:nvGrpSpPr>
       <dsp:cNvPr id="0" name=""/>
@@ -5040,7 +4969,7 @@
         </a:bodyPr>
         <a:lstStyle/>
         <a:p>
-          <a:pPr lvl="0" algn="ctr" defTabSz="2266950" latinLnBrk="1">
+          <a:pPr marL="0" lvl="0" indent="0" algn="ctr" defTabSz="2266950" latinLnBrk="1">
             <a:lnSpc>
               <a:spcPct val="90000"/>
             </a:lnSpc>
@@ -5050,17 +4979,18 @@
             <a:spcAft>
               <a:spcPct val="35000"/>
             </a:spcAft>
+            <a:buNone/>
           </a:pPr>
           <a:r>
-            <a:rPr lang="en-US" altLang="ko-KR" sz="5100" kern="1200" dirty="0" smtClean="0"/>
+            <a:rPr lang="en-US" altLang="ko-KR" sz="5100" kern="1200" dirty="0"/>
             <a:t>0</a:t>
           </a:r>
           <a:endParaRPr lang="ko-KR" altLang="en-US" sz="5100" kern="1200" dirty="0"/>
         </a:p>
       </dsp:txBody>
       <dsp:txXfrm>
-        <a:off x="1402080" y="386080"/>
-        <a:ext cx="1584960" cy="1584960"/>
+        <a:off x="1479451" y="463451"/>
+        <a:ext cx="1430218" cy="1430218"/>
       </dsp:txXfrm>
     </dsp:sp>
     <dsp:sp modelId="{090F544B-1460-4211-857F-58E795DDD26D}">
@@ -5114,7 +5044,7 @@
         </a:bodyPr>
         <a:lstStyle/>
         <a:p>
-          <a:pPr lvl="0" algn="ctr" defTabSz="2266950" latinLnBrk="1">
+          <a:pPr marL="0" lvl="0" indent="0" algn="ctr" defTabSz="2266950" latinLnBrk="1">
             <a:lnSpc>
               <a:spcPct val="90000"/>
             </a:lnSpc>
@@ -5124,17 +5054,18 @@
             <a:spcAft>
               <a:spcPct val="35000"/>
             </a:spcAft>
+            <a:buNone/>
           </a:pPr>
           <a:r>
-            <a:rPr lang="en-US" altLang="ko-KR" sz="5100" b="1" kern="1200" dirty="0" smtClean="0"/>
+            <a:rPr lang="en-US" altLang="ko-KR" sz="5100" b="1" kern="1200" dirty="0"/>
             <a:t>0</a:t>
           </a:r>
           <a:endParaRPr lang="ko-KR" altLang="en-US" sz="5100" b="1" kern="1200" dirty="0"/>
         </a:p>
       </dsp:txBody>
       <dsp:txXfrm>
-        <a:off x="3108960" y="386080"/>
-        <a:ext cx="1584960" cy="1584960"/>
+        <a:off x="3186331" y="463451"/>
+        <a:ext cx="1430218" cy="1430218"/>
       </dsp:txXfrm>
     </dsp:sp>
     <dsp:sp modelId="{147A8A20-C091-423F-8B97-591EE43A3EFC}">
@@ -5188,7 +5119,7 @@
         </a:bodyPr>
         <a:lstStyle/>
         <a:p>
-          <a:pPr lvl="0" algn="ctr" defTabSz="2266950" latinLnBrk="1">
+          <a:pPr marL="0" lvl="0" indent="0" algn="ctr" defTabSz="2266950" latinLnBrk="1">
             <a:lnSpc>
               <a:spcPct val="90000"/>
             </a:lnSpc>
@@ -5198,17 +5129,18 @@
             <a:spcAft>
               <a:spcPct val="35000"/>
             </a:spcAft>
+            <a:buNone/>
           </a:pPr>
           <a:r>
-            <a:rPr lang="en-US" altLang="ko-KR" sz="5100" kern="1200" dirty="0" smtClean="0"/>
+            <a:rPr lang="en-US" altLang="ko-KR" sz="5100" kern="1200" dirty="0"/>
             <a:t>1</a:t>
           </a:r>
           <a:endParaRPr lang="ko-KR" altLang="en-US" sz="5100" kern="1200" dirty="0"/>
         </a:p>
       </dsp:txBody>
       <dsp:txXfrm>
-        <a:off x="1402080" y="2092960"/>
-        <a:ext cx="1584960" cy="1584960"/>
+        <a:off x="1479451" y="2170331"/>
+        <a:ext cx="1430218" cy="1430218"/>
       </dsp:txXfrm>
     </dsp:sp>
     <dsp:sp modelId="{C066656F-0627-4599-B3A1-5FA359AEE047}">
@@ -5262,7 +5194,7 @@
         </a:bodyPr>
         <a:lstStyle/>
         <a:p>
-          <a:pPr lvl="0" algn="ctr" defTabSz="2266950" latinLnBrk="1">
+          <a:pPr marL="0" lvl="0" indent="0" algn="ctr" defTabSz="2266950" latinLnBrk="1">
             <a:lnSpc>
               <a:spcPct val="90000"/>
             </a:lnSpc>
@@ -5272,17 +5204,18 @@
             <a:spcAft>
               <a:spcPct val="35000"/>
             </a:spcAft>
+            <a:buNone/>
           </a:pPr>
           <a:r>
-            <a:rPr lang="en-US" altLang="ko-KR" sz="5100" kern="1200" dirty="0" smtClean="0"/>
+            <a:rPr lang="en-US" altLang="ko-KR" sz="5100" kern="1200" dirty="0"/>
             <a:t>2</a:t>
           </a:r>
           <a:endParaRPr lang="ko-KR" altLang="en-US" sz="5100" kern="1200" dirty="0"/>
         </a:p>
       </dsp:txBody>
       <dsp:txXfrm>
-        <a:off x="3108960" y="2092960"/>
-        <a:ext cx="1584960" cy="1584960"/>
+        <a:off x="3186331" y="2170331"/>
+        <a:ext cx="1430218" cy="1430218"/>
       </dsp:txXfrm>
     </dsp:sp>
   </dsp:spTree>
@@ -5290,7 +5223,7 @@
 </file>
 
 <file path=ppt/diagrams/drawing3.xml><?xml version="1.0" encoding="utf-8"?>
-<dsp:drawing xmlns:dgm="http://schemas.openxmlformats.org/drawingml/2006/diagram" xmlns:a="http://schemas.openxmlformats.org/drawingml/2006/main" xmlns:dsp="http://schemas.microsoft.com/office/drawing/2008/diagram">
+<dsp:drawing xmlns:dgm="http://schemas.openxmlformats.org/drawingml/2006/diagram" xmlns:dsp="http://schemas.microsoft.com/office/drawing/2008/diagram" xmlns:a="http://schemas.openxmlformats.org/drawingml/2006/main">
   <dsp:spTree>
     <dsp:nvGrpSpPr>
       <dsp:cNvPr id="0" name=""/>
@@ -5395,7 +5328,7 @@
         </a:bodyPr>
         <a:lstStyle/>
         <a:p>
-          <a:pPr lvl="0" algn="ctr" defTabSz="2266950" latinLnBrk="1">
+          <a:pPr marL="0" lvl="0" indent="0" algn="ctr" defTabSz="2266950" latinLnBrk="1">
             <a:lnSpc>
               <a:spcPct val="90000"/>
             </a:lnSpc>
@@ -5405,17 +5338,18 @@
             <a:spcAft>
               <a:spcPct val="35000"/>
             </a:spcAft>
+            <a:buNone/>
           </a:pPr>
           <a:r>
-            <a:rPr lang="en-US" altLang="ko-KR" sz="5100" kern="1200" dirty="0" smtClean="0"/>
+            <a:rPr lang="en-US" altLang="ko-KR" sz="5100" kern="1200" dirty="0"/>
             <a:t>0</a:t>
           </a:r>
           <a:endParaRPr lang="ko-KR" altLang="en-US" sz="5100" kern="1200" dirty="0"/>
         </a:p>
       </dsp:txBody>
       <dsp:txXfrm>
-        <a:off x="1402080" y="386080"/>
-        <a:ext cx="1584960" cy="1584960"/>
+        <a:off x="1479451" y="463451"/>
+        <a:ext cx="1430218" cy="1430218"/>
       </dsp:txXfrm>
     </dsp:sp>
     <dsp:sp modelId="{090F544B-1460-4211-857F-58E795DDD26D}">
@@ -5469,7 +5403,7 @@
         </a:bodyPr>
         <a:lstStyle/>
         <a:p>
-          <a:pPr lvl="0" algn="ctr" defTabSz="2266950" latinLnBrk="1">
+          <a:pPr marL="0" lvl="0" indent="0" algn="ctr" defTabSz="2266950" latinLnBrk="1">
             <a:lnSpc>
               <a:spcPct val="90000"/>
             </a:lnSpc>
@@ -5479,17 +5413,18 @@
             <a:spcAft>
               <a:spcPct val="35000"/>
             </a:spcAft>
+            <a:buNone/>
           </a:pPr>
           <a:r>
-            <a:rPr lang="en-US" altLang="ko-KR" sz="5100" b="1" kern="1200" dirty="0" smtClean="0"/>
+            <a:rPr lang="en-US" altLang="ko-KR" sz="5100" b="1" kern="1200" dirty="0"/>
             <a:t>0</a:t>
           </a:r>
           <a:endParaRPr lang="ko-KR" altLang="en-US" sz="5100" b="1" kern="1200" dirty="0"/>
         </a:p>
       </dsp:txBody>
       <dsp:txXfrm>
-        <a:off x="3108960" y="386080"/>
-        <a:ext cx="1584960" cy="1584960"/>
+        <a:off x="3186331" y="463451"/>
+        <a:ext cx="1430218" cy="1430218"/>
       </dsp:txXfrm>
     </dsp:sp>
     <dsp:sp modelId="{147A8A20-C091-423F-8B97-591EE43A3EFC}">
@@ -5543,7 +5478,7 @@
         </a:bodyPr>
         <a:lstStyle/>
         <a:p>
-          <a:pPr lvl="0" algn="ctr" defTabSz="2266950" latinLnBrk="1">
+          <a:pPr marL="0" lvl="0" indent="0" algn="ctr" defTabSz="2266950" latinLnBrk="1">
             <a:lnSpc>
               <a:spcPct val="90000"/>
             </a:lnSpc>
@@ -5553,17 +5488,18 @@
             <a:spcAft>
               <a:spcPct val="35000"/>
             </a:spcAft>
+            <a:buNone/>
           </a:pPr>
           <a:r>
-            <a:rPr lang="en-US" altLang="ko-KR" sz="5100" kern="1200" dirty="0" smtClean="0"/>
+            <a:rPr lang="en-US" altLang="ko-KR" sz="5100" kern="1200" dirty="0"/>
             <a:t>2</a:t>
           </a:r>
           <a:endParaRPr lang="ko-KR" altLang="en-US" sz="5100" kern="1200" dirty="0"/>
         </a:p>
       </dsp:txBody>
       <dsp:txXfrm>
-        <a:off x="1402080" y="2092960"/>
-        <a:ext cx="1584960" cy="1584960"/>
+        <a:off x="1479451" y="2170331"/>
+        <a:ext cx="1430218" cy="1430218"/>
       </dsp:txXfrm>
     </dsp:sp>
     <dsp:sp modelId="{C066656F-0627-4599-B3A1-5FA359AEE047}">
@@ -5617,7 +5553,7 @@
         </a:bodyPr>
         <a:lstStyle/>
         <a:p>
-          <a:pPr lvl="0" algn="ctr" defTabSz="2266950" latinLnBrk="1">
+          <a:pPr marL="0" lvl="0" indent="0" algn="ctr" defTabSz="2266950" latinLnBrk="1">
             <a:lnSpc>
               <a:spcPct val="90000"/>
             </a:lnSpc>
@@ -5627,17 +5563,18 @@
             <a:spcAft>
               <a:spcPct val="35000"/>
             </a:spcAft>
+            <a:buNone/>
           </a:pPr>
           <a:r>
-            <a:rPr lang="en-US" altLang="ko-KR" sz="5100" kern="1200" dirty="0" smtClean="0"/>
+            <a:rPr lang="en-US" altLang="ko-KR" sz="5100" kern="1200" dirty="0"/>
             <a:t>3</a:t>
           </a:r>
           <a:endParaRPr lang="ko-KR" altLang="en-US" sz="5100" kern="1200" dirty="0"/>
         </a:p>
       </dsp:txBody>
       <dsp:txXfrm>
-        <a:off x="3108960" y="2092960"/>
-        <a:ext cx="1584960" cy="1584960"/>
+        <a:off x="3186331" y="2170331"/>
+        <a:ext cx="1430218" cy="1430218"/>
       </dsp:txXfrm>
     </dsp:sp>
   </dsp:spTree>
@@ -5645,7 +5582,7 @@
 </file>
 
 <file path=ppt/diagrams/drawing4.xml><?xml version="1.0" encoding="utf-8"?>
-<dsp:drawing xmlns:dgm="http://schemas.openxmlformats.org/drawingml/2006/diagram" xmlns:a="http://schemas.openxmlformats.org/drawingml/2006/main" xmlns:dsp="http://schemas.microsoft.com/office/drawing/2008/diagram">
+<dsp:drawing xmlns:dgm="http://schemas.openxmlformats.org/drawingml/2006/diagram" xmlns:dsp="http://schemas.microsoft.com/office/drawing/2008/diagram" xmlns:a="http://schemas.openxmlformats.org/drawingml/2006/main">
   <dsp:spTree>
     <dsp:nvGrpSpPr>
       <dsp:cNvPr id="0" name=""/>
@@ -5750,7 +5687,7 @@
         </a:bodyPr>
         <a:lstStyle/>
         <a:p>
-          <a:pPr lvl="0" algn="ctr" defTabSz="2533650" latinLnBrk="1">
+          <a:pPr marL="0" lvl="0" indent="0" algn="ctr" defTabSz="2533650" latinLnBrk="1">
             <a:lnSpc>
               <a:spcPct val="90000"/>
             </a:lnSpc>
@@ -5760,17 +5697,18 @@
             <a:spcAft>
               <a:spcPct val="35000"/>
             </a:spcAft>
+            <a:buNone/>
           </a:pPr>
           <a:r>
-            <a:rPr lang="en-US" altLang="ko-KR" sz="5700" kern="1200" dirty="0" smtClean="0"/>
+            <a:rPr lang="en-US" altLang="ko-KR" sz="5700" kern="1200" dirty="0"/>
             <a:t>1</a:t>
           </a:r>
           <a:endParaRPr lang="ko-KR" altLang="en-US" sz="5700" kern="1200" dirty="0"/>
         </a:p>
       </dsp:txBody>
       <dsp:txXfrm>
-        <a:off x="2281784" y="429966"/>
-        <a:ext cx="1765125" cy="1765125"/>
+        <a:off x="2367950" y="516132"/>
+        <a:ext cx="1592793" cy="1592793"/>
       </dsp:txXfrm>
     </dsp:sp>
     <dsp:sp modelId="{8035222F-0E43-46E7-84CE-C566F21891A2}">
@@ -5824,7 +5762,7 @@
         </a:bodyPr>
         <a:lstStyle/>
         <a:p>
-          <a:pPr lvl="0" algn="ctr" defTabSz="2533650" latinLnBrk="1">
+          <a:pPr marL="0" lvl="0" indent="0" algn="ctr" defTabSz="2533650" latinLnBrk="1">
             <a:lnSpc>
               <a:spcPct val="90000"/>
             </a:lnSpc>
@@ -5834,17 +5772,18 @@
             <a:spcAft>
               <a:spcPct val="35000"/>
             </a:spcAft>
+            <a:buNone/>
           </a:pPr>
           <a:r>
-            <a:rPr lang="en-US" altLang="ko-KR" sz="5700" kern="1200" dirty="0" smtClean="0"/>
+            <a:rPr lang="en-US" altLang="ko-KR" sz="5700" kern="1200" dirty="0"/>
             <a:t>1</a:t>
           </a:r>
           <a:endParaRPr lang="ko-KR" altLang="en-US" sz="5700" kern="1200" dirty="0"/>
         </a:p>
       </dsp:txBody>
       <dsp:txXfrm>
-        <a:off x="4182689" y="429966"/>
-        <a:ext cx="1765125" cy="1765125"/>
+        <a:off x="4268855" y="516132"/>
+        <a:ext cx="1592793" cy="1592793"/>
       </dsp:txXfrm>
     </dsp:sp>
     <dsp:sp modelId="{FD871694-8EFC-4DC3-AAE9-E47EC0298D5A}">
@@ -5898,7 +5837,7 @@
         </a:bodyPr>
         <a:lstStyle/>
         <a:p>
-          <a:pPr lvl="0" algn="ctr" defTabSz="2533650" latinLnBrk="1">
+          <a:pPr marL="0" lvl="0" indent="0" algn="ctr" defTabSz="2533650" latinLnBrk="1">
             <a:lnSpc>
               <a:spcPct val="90000"/>
             </a:lnSpc>
@@ -5908,17 +5847,18 @@
             <a:spcAft>
               <a:spcPct val="35000"/>
             </a:spcAft>
+            <a:buNone/>
           </a:pPr>
           <a:r>
-            <a:rPr lang="en-US" altLang="ko-KR" sz="5700" kern="1200" dirty="0" smtClean="0"/>
+            <a:rPr lang="en-US" altLang="ko-KR" sz="5700" kern="1200" dirty="0"/>
             <a:t>5</a:t>
           </a:r>
           <a:endParaRPr lang="ko-KR" altLang="en-US" sz="5700" kern="1200" dirty="0"/>
         </a:p>
       </dsp:txBody>
       <dsp:txXfrm>
-        <a:off x="2281784" y="2330870"/>
-        <a:ext cx="1765125" cy="1765125"/>
+        <a:off x="2367950" y="2417036"/>
+        <a:ext cx="1592793" cy="1592793"/>
       </dsp:txXfrm>
     </dsp:sp>
     <dsp:sp modelId="{8AB65512-7AA3-43F5-AE93-A699E95151FE}">
@@ -5972,7 +5912,7 @@
         </a:bodyPr>
         <a:lstStyle/>
         <a:p>
-          <a:pPr lvl="0" algn="ctr" defTabSz="2533650" latinLnBrk="1">
+          <a:pPr marL="0" lvl="0" indent="0" algn="ctr" defTabSz="2533650" latinLnBrk="1">
             <a:lnSpc>
               <a:spcPct val="90000"/>
             </a:lnSpc>
@@ -5982,17 +5922,18 @@
             <a:spcAft>
               <a:spcPct val="35000"/>
             </a:spcAft>
+            <a:buNone/>
           </a:pPr>
           <a:r>
-            <a:rPr lang="en-US" altLang="ko-KR" sz="5700" kern="1200" dirty="0" smtClean="0"/>
+            <a:rPr lang="en-US" altLang="ko-KR" sz="5700" kern="1200" dirty="0"/>
             <a:t>6</a:t>
           </a:r>
           <a:endParaRPr lang="ko-KR" altLang="en-US" sz="5700" kern="1200" dirty="0"/>
         </a:p>
       </dsp:txBody>
       <dsp:txXfrm>
-        <a:off x="4182689" y="2330870"/>
-        <a:ext cx="1765125" cy="1765125"/>
+        <a:off x="4268855" y="2417036"/>
+        <a:ext cx="1592793" cy="1592793"/>
       </dsp:txXfrm>
     </dsp:sp>
   </dsp:spTree>
@@ -11427,6 +11368,355 @@
 </dgm:styleDef>
 </file>
 
+<file path=ppt/notesMasters/notesMaster1.xml><?xml version="1.0" encoding="utf-8"?>
+<p:notesMaster xmlns:a="http://schemas.openxmlformats.org/drawingml/2006/main" xmlns:r="http://schemas.openxmlformats.org/officeDocument/2006/relationships" xmlns:p="http://schemas.openxmlformats.org/presentationml/2006/main">
+  <p:cSld>
+    <p:bg>
+      <p:bgRef idx="1001">
+        <a:schemeClr val="bg1"/>
+      </p:bgRef>
+    </p:bg>
+    <p:spTree>
+      <p:nvGrpSpPr>
+        <p:cNvPr id="1" name=""/>
+        <p:cNvGrpSpPr/>
+        <p:nvPr/>
+      </p:nvGrpSpPr>
+      <p:grpSpPr>
+        <a:xfrm>
+          <a:off x="0" y="0"/>
+          <a:ext cx="0" cy="0"/>
+          <a:chOff x="0" y="0"/>
+          <a:chExt cx="0" cy="0"/>
+        </a:xfrm>
+      </p:grpSpPr>
+      <p:sp>
+        <p:nvSpPr>
+          <p:cNvPr id="2" name="머리글 개체 틀 1"/>
+          <p:cNvSpPr>
+            <a:spLocks noGrp="1"/>
+          </p:cNvSpPr>
+          <p:nvPr>
+            <p:ph type="hdr" sz="quarter"/>
+          </p:nvPr>
+        </p:nvSpPr>
+        <p:spPr>
+          <a:xfrm>
+            <a:off x="0" y="0"/>
+            <a:ext cx="2971800" cy="458788"/>
+          </a:xfrm>
+          <a:prstGeom prst="rect">
+            <a:avLst/>
+          </a:prstGeom>
+        </p:spPr>
+        <p:txBody>
+          <a:bodyPr vert="horz" lIns="91440" tIns="45720" rIns="91440" bIns="45720" rtlCol="0"/>
+          <a:lstStyle>
+            <a:lvl1pPr algn="l">
+              <a:defRPr sz="1200"/>
+            </a:lvl1pPr>
+          </a:lstStyle>
+          <a:p>
+            <a:endParaRPr lang="ko-KR" altLang="en-US"/>
+          </a:p>
+        </p:txBody>
+      </p:sp>
+      <p:sp>
+        <p:nvSpPr>
+          <p:cNvPr id="3" name="날짜 개체 틀 2"/>
+          <p:cNvSpPr>
+            <a:spLocks noGrp="1"/>
+          </p:cNvSpPr>
+          <p:nvPr>
+            <p:ph type="dt" idx="1"/>
+          </p:nvPr>
+        </p:nvSpPr>
+        <p:spPr>
+          <a:xfrm>
+            <a:off x="3884613" y="0"/>
+            <a:ext cx="2971800" cy="458788"/>
+          </a:xfrm>
+          <a:prstGeom prst="rect">
+            <a:avLst/>
+          </a:prstGeom>
+        </p:spPr>
+        <p:txBody>
+          <a:bodyPr vert="horz" lIns="91440" tIns="45720" rIns="91440" bIns="45720" rtlCol="0"/>
+          <a:lstStyle>
+            <a:lvl1pPr algn="r">
+              <a:defRPr sz="1200"/>
+            </a:lvl1pPr>
+          </a:lstStyle>
+          <a:p>
+            <a:fld id="{558A57CE-075C-4BF8-976C-AF210A760EA9}" type="datetimeFigureOut">
+              <a:rPr lang="ko-KR" altLang="en-US" smtClean="0"/>
+              <a:t>2018-01-02</a:t>
+            </a:fld>
+            <a:endParaRPr lang="ko-KR" altLang="en-US"/>
+          </a:p>
+        </p:txBody>
+      </p:sp>
+      <p:sp>
+        <p:nvSpPr>
+          <p:cNvPr id="4" name="슬라이드 이미지 개체 틀 3"/>
+          <p:cNvSpPr>
+            <a:spLocks noGrp="1" noRot="1" noChangeAspect="1"/>
+          </p:cNvSpPr>
+          <p:nvPr>
+            <p:ph type="sldImg" idx="2"/>
+          </p:nvPr>
+        </p:nvSpPr>
+        <p:spPr>
+          <a:xfrm>
+            <a:off x="1371600" y="1143000"/>
+            <a:ext cx="4114800" cy="3086100"/>
+          </a:xfrm>
+          <a:prstGeom prst="rect">
+            <a:avLst/>
+          </a:prstGeom>
+          <a:noFill/>
+          <a:ln w="12700">
+            <a:solidFill>
+              <a:prstClr val="black"/>
+            </a:solidFill>
+          </a:ln>
+        </p:spPr>
+        <p:txBody>
+          <a:bodyPr vert="horz" lIns="91440" tIns="45720" rIns="91440" bIns="45720" rtlCol="0" anchor="ctr"/>
+          <a:lstStyle/>
+          <a:p>
+            <a:endParaRPr lang="ko-KR" altLang="en-US"/>
+          </a:p>
+        </p:txBody>
+      </p:sp>
+      <p:sp>
+        <p:nvSpPr>
+          <p:cNvPr id="5" name="슬라이드 노트 개체 틀 4"/>
+          <p:cNvSpPr>
+            <a:spLocks noGrp="1"/>
+          </p:cNvSpPr>
+          <p:nvPr>
+            <p:ph type="body" sz="quarter" idx="3"/>
+          </p:nvPr>
+        </p:nvSpPr>
+        <p:spPr>
+          <a:xfrm>
+            <a:off x="685800" y="4400550"/>
+            <a:ext cx="5486400" cy="3600450"/>
+          </a:xfrm>
+          <a:prstGeom prst="rect">
+            <a:avLst/>
+          </a:prstGeom>
+        </p:spPr>
+        <p:txBody>
+          <a:bodyPr vert="horz" lIns="91440" tIns="45720" rIns="91440" bIns="45720" rtlCol="0"/>
+          <a:lstStyle/>
+          <a:p>
+            <a:pPr lvl="0"/>
+            <a:r>
+              <a:rPr lang="ko-KR" altLang="en-US"/>
+              <a:t>마스터 텍스트 스타일 편집</a:t>
+            </a:r>
+          </a:p>
+          <a:p>
+            <a:pPr lvl="1"/>
+            <a:r>
+              <a:rPr lang="ko-KR" altLang="en-US"/>
+              <a:t>둘째 수준</a:t>
+            </a:r>
+          </a:p>
+          <a:p>
+            <a:pPr lvl="2"/>
+            <a:r>
+              <a:rPr lang="ko-KR" altLang="en-US"/>
+              <a:t>셋째 수준</a:t>
+            </a:r>
+          </a:p>
+          <a:p>
+            <a:pPr lvl="3"/>
+            <a:r>
+              <a:rPr lang="ko-KR" altLang="en-US"/>
+              <a:t>넷째 수준</a:t>
+            </a:r>
+          </a:p>
+          <a:p>
+            <a:pPr lvl="4"/>
+            <a:r>
+              <a:rPr lang="ko-KR" altLang="en-US"/>
+              <a:t>다섯째 수준</a:t>
+            </a:r>
+          </a:p>
+        </p:txBody>
+      </p:sp>
+      <p:sp>
+        <p:nvSpPr>
+          <p:cNvPr id="6" name="바닥글 개체 틀 5"/>
+          <p:cNvSpPr>
+            <a:spLocks noGrp="1"/>
+          </p:cNvSpPr>
+          <p:nvPr>
+            <p:ph type="ftr" sz="quarter" idx="4"/>
+          </p:nvPr>
+        </p:nvSpPr>
+        <p:spPr>
+          <a:xfrm>
+            <a:off x="0" y="8685213"/>
+            <a:ext cx="2971800" cy="458787"/>
+          </a:xfrm>
+          <a:prstGeom prst="rect">
+            <a:avLst/>
+          </a:prstGeom>
+        </p:spPr>
+        <p:txBody>
+          <a:bodyPr vert="horz" lIns="91440" tIns="45720" rIns="91440" bIns="45720" rtlCol="0" anchor="b"/>
+          <a:lstStyle>
+            <a:lvl1pPr algn="l">
+              <a:defRPr sz="1200"/>
+            </a:lvl1pPr>
+          </a:lstStyle>
+          <a:p>
+            <a:endParaRPr lang="ko-KR" altLang="en-US"/>
+          </a:p>
+        </p:txBody>
+      </p:sp>
+      <p:sp>
+        <p:nvSpPr>
+          <p:cNvPr id="7" name="슬라이드 번호 개체 틀 6"/>
+          <p:cNvSpPr>
+            <a:spLocks noGrp="1"/>
+          </p:cNvSpPr>
+          <p:nvPr>
+            <p:ph type="sldNum" sz="quarter" idx="5"/>
+          </p:nvPr>
+        </p:nvSpPr>
+        <p:spPr>
+          <a:xfrm>
+            <a:off x="3884613" y="8685213"/>
+            <a:ext cx="2971800" cy="458787"/>
+          </a:xfrm>
+          <a:prstGeom prst="rect">
+            <a:avLst/>
+          </a:prstGeom>
+        </p:spPr>
+        <p:txBody>
+          <a:bodyPr vert="horz" lIns="91440" tIns="45720" rIns="91440" bIns="45720" rtlCol="0" anchor="b"/>
+          <a:lstStyle>
+            <a:lvl1pPr algn="r">
+              <a:defRPr sz="1200"/>
+            </a:lvl1pPr>
+          </a:lstStyle>
+          <a:p>
+            <a:fld id="{646613A1-4971-4D02-ABE7-F51E08D0D43F}" type="slidenum">
+              <a:rPr lang="ko-KR" altLang="en-US" smtClean="0"/>
+              <a:t>‹#›</a:t>
+            </a:fld>
+            <a:endParaRPr lang="ko-KR" altLang="en-US"/>
+          </a:p>
+        </p:txBody>
+      </p:sp>
+    </p:spTree>
+    <p:extLst>
+      <p:ext uri="{BB962C8B-B14F-4D97-AF65-F5344CB8AC3E}">
+        <p14:creationId xmlns:p14="http://schemas.microsoft.com/office/powerpoint/2010/main" val="3799338220"/>
+      </p:ext>
+    </p:extLst>
+  </p:cSld>
+  <p:clrMap bg1="lt1" tx1="dk1" bg2="lt2" tx2="dk2" accent1="accent1" accent2="accent2" accent3="accent3" accent4="accent4" accent5="accent5" accent6="accent6" hlink="hlink" folHlink="folHlink"/>
+  <p:notesStyle>
+    <a:lvl1pPr marL="0" algn="l" defTabSz="914400" rtl="0" eaLnBrk="1" latinLnBrk="1" hangingPunct="1">
+      <a:defRPr sz="1200" kern="1200">
+        <a:solidFill>
+          <a:schemeClr val="tx1"/>
+        </a:solidFill>
+        <a:latin typeface="+mn-lt"/>
+        <a:ea typeface="+mn-ea"/>
+        <a:cs typeface="+mn-cs"/>
+      </a:defRPr>
+    </a:lvl1pPr>
+    <a:lvl2pPr marL="457200" algn="l" defTabSz="914400" rtl="0" eaLnBrk="1" latinLnBrk="1" hangingPunct="1">
+      <a:defRPr sz="1200" kern="1200">
+        <a:solidFill>
+          <a:schemeClr val="tx1"/>
+        </a:solidFill>
+        <a:latin typeface="+mn-lt"/>
+        <a:ea typeface="+mn-ea"/>
+        <a:cs typeface="+mn-cs"/>
+      </a:defRPr>
+    </a:lvl2pPr>
+    <a:lvl3pPr marL="914400" algn="l" defTabSz="914400" rtl="0" eaLnBrk="1" latinLnBrk="1" hangingPunct="1">
+      <a:defRPr sz="1200" kern="1200">
+        <a:solidFill>
+          <a:schemeClr val="tx1"/>
+        </a:solidFill>
+        <a:latin typeface="+mn-lt"/>
+        <a:ea typeface="+mn-ea"/>
+        <a:cs typeface="+mn-cs"/>
+      </a:defRPr>
+    </a:lvl3pPr>
+    <a:lvl4pPr marL="1371600" algn="l" defTabSz="914400" rtl="0" eaLnBrk="1" latinLnBrk="1" hangingPunct="1">
+      <a:defRPr sz="1200" kern="1200">
+        <a:solidFill>
+          <a:schemeClr val="tx1"/>
+        </a:solidFill>
+        <a:latin typeface="+mn-lt"/>
+        <a:ea typeface="+mn-ea"/>
+        <a:cs typeface="+mn-cs"/>
+      </a:defRPr>
+    </a:lvl4pPr>
+    <a:lvl5pPr marL="1828800" algn="l" defTabSz="914400" rtl="0" eaLnBrk="1" latinLnBrk="1" hangingPunct="1">
+      <a:defRPr sz="1200" kern="1200">
+        <a:solidFill>
+          <a:schemeClr val="tx1"/>
+        </a:solidFill>
+        <a:latin typeface="+mn-lt"/>
+        <a:ea typeface="+mn-ea"/>
+        <a:cs typeface="+mn-cs"/>
+      </a:defRPr>
+    </a:lvl5pPr>
+    <a:lvl6pPr marL="2286000" algn="l" defTabSz="914400" rtl="0" eaLnBrk="1" latinLnBrk="1" hangingPunct="1">
+      <a:defRPr sz="1200" kern="1200">
+        <a:solidFill>
+          <a:schemeClr val="tx1"/>
+        </a:solidFill>
+        <a:latin typeface="+mn-lt"/>
+        <a:ea typeface="+mn-ea"/>
+        <a:cs typeface="+mn-cs"/>
+      </a:defRPr>
+    </a:lvl6pPr>
+    <a:lvl7pPr marL="2743200" algn="l" defTabSz="914400" rtl="0" eaLnBrk="1" latinLnBrk="1" hangingPunct="1">
+      <a:defRPr sz="1200" kern="1200">
+        <a:solidFill>
+          <a:schemeClr val="tx1"/>
+        </a:solidFill>
+        <a:latin typeface="+mn-lt"/>
+        <a:ea typeface="+mn-ea"/>
+        <a:cs typeface="+mn-cs"/>
+      </a:defRPr>
+    </a:lvl7pPr>
+    <a:lvl8pPr marL="3200400" algn="l" defTabSz="914400" rtl="0" eaLnBrk="1" latinLnBrk="1" hangingPunct="1">
+      <a:defRPr sz="1200" kern="1200">
+        <a:solidFill>
+          <a:schemeClr val="tx1"/>
+        </a:solidFill>
+        <a:latin typeface="+mn-lt"/>
+        <a:ea typeface="+mn-ea"/>
+        <a:cs typeface="+mn-cs"/>
+      </a:defRPr>
+    </a:lvl8pPr>
+    <a:lvl9pPr marL="3657600" algn="l" defTabSz="914400" rtl="0" eaLnBrk="1" latinLnBrk="1" hangingPunct="1">
+      <a:defRPr sz="1200" kern="1200">
+        <a:solidFill>
+          <a:schemeClr val="tx1"/>
+        </a:solidFill>
+        <a:latin typeface="+mn-lt"/>
+        <a:ea typeface="+mn-ea"/>
+        <a:cs typeface="+mn-cs"/>
+      </a:defRPr>
+    </a:lvl9pPr>
+  </p:notesStyle>
+</p:notesMaster>
+</file>
+
 <file path=ppt/slideLayouts/slideLayout1.xml><?xml version="1.0" encoding="utf-8"?>
 <p:sldLayout xmlns:a="http://schemas.openxmlformats.org/drawingml/2006/main" xmlns:r="http://schemas.openxmlformats.org/officeDocument/2006/relationships" xmlns:p="http://schemas.openxmlformats.org/presentationml/2006/main" type="title" preserve="1">
   <p:cSld name="제목 슬라이드">
@@ -11465,10 +11755,9 @@
           <a:lstStyle/>
           <a:p>
             <a:r>
-              <a:rPr lang="ko-KR" altLang="en-US" smtClean="0"/>
+              <a:rPr lang="ko-KR" altLang="en-US"/>
               <a:t>마스터 제목 스타일 편집</a:t>
             </a:r>
-            <a:endParaRPr lang="ko-KR" altLang="en-US"/>
           </a:p>
         </p:txBody>
       </p:sp>
@@ -11584,10 +11873,9 @@
           </a:lstStyle>
           <a:p>
             <a:r>
-              <a:rPr lang="ko-KR" altLang="en-US" smtClean="0"/>
+              <a:rPr lang="ko-KR" altLang="en-US"/>
               <a:t>마스터 부제목 스타일 편집</a:t>
             </a:r>
-            <a:endParaRPr lang="ko-KR" altLang="en-US"/>
           </a:p>
         </p:txBody>
       </p:sp>
@@ -11608,7 +11896,7 @@
           <a:p>
             <a:fld id="{5AB8D9B4-FCB9-4542-A184-7EC13267C87B}" type="datetimeFigureOut">
               <a:rPr lang="ko-KR" altLang="en-US" smtClean="0"/>
-              <a:t>2017-12-21</a:t>
+              <a:t>2018-01-02</a:t>
             </a:fld>
             <a:endParaRPr lang="ko-KR" altLang="en-US"/>
           </a:p>
@@ -11697,10 +11985,9 @@
           <a:lstStyle/>
           <a:p>
             <a:r>
-              <a:rPr lang="ko-KR" altLang="en-US" smtClean="0"/>
+              <a:rPr lang="ko-KR" altLang="en-US"/>
               <a:t>마스터 제목 스타일 편집</a:t>
             </a:r>
-            <a:endParaRPr lang="ko-KR" altLang="en-US"/>
           </a:p>
         </p:txBody>
       </p:sp>
@@ -11721,38 +12008,37 @@
           <a:p>
             <a:pPr lvl="0"/>
             <a:r>
-              <a:rPr lang="ko-KR" altLang="en-US" smtClean="0"/>
+              <a:rPr lang="ko-KR" altLang="en-US"/>
               <a:t>마스터 텍스트 스타일을 편집합니다</a:t>
             </a:r>
           </a:p>
           <a:p>
             <a:pPr lvl="1"/>
             <a:r>
-              <a:rPr lang="ko-KR" altLang="en-US" smtClean="0"/>
+              <a:rPr lang="ko-KR" altLang="en-US"/>
               <a:t>둘째 수준</a:t>
             </a:r>
           </a:p>
           <a:p>
             <a:pPr lvl="2"/>
             <a:r>
-              <a:rPr lang="ko-KR" altLang="en-US" smtClean="0"/>
+              <a:rPr lang="ko-KR" altLang="en-US"/>
               <a:t>셋째 수준</a:t>
             </a:r>
           </a:p>
           <a:p>
             <a:pPr lvl="3"/>
             <a:r>
-              <a:rPr lang="ko-KR" altLang="en-US" smtClean="0"/>
+              <a:rPr lang="ko-KR" altLang="en-US"/>
               <a:t>넷째 수준</a:t>
             </a:r>
           </a:p>
           <a:p>
             <a:pPr lvl="4"/>
             <a:r>
-              <a:rPr lang="ko-KR" altLang="en-US" smtClean="0"/>
+              <a:rPr lang="ko-KR" altLang="en-US"/>
               <a:t>다섯째 수준</a:t>
             </a:r>
-            <a:endParaRPr lang="ko-KR" altLang="en-US"/>
           </a:p>
         </p:txBody>
       </p:sp>
@@ -11773,7 +12059,7 @@
           <a:p>
             <a:fld id="{5AB8D9B4-FCB9-4542-A184-7EC13267C87B}" type="datetimeFigureOut">
               <a:rPr lang="ko-KR" altLang="en-US" smtClean="0"/>
-              <a:t>2017-12-21</a:t>
+              <a:t>2018-01-02</a:t>
             </a:fld>
             <a:endParaRPr lang="ko-KR" altLang="en-US"/>
           </a:p>
@@ -11867,10 +12153,9 @@
           <a:lstStyle/>
           <a:p>
             <a:r>
-              <a:rPr lang="ko-KR" altLang="en-US" smtClean="0"/>
+              <a:rPr lang="ko-KR" altLang="en-US"/>
               <a:t>마스터 제목 스타일 편집</a:t>
             </a:r>
-            <a:endParaRPr lang="ko-KR" altLang="en-US"/>
           </a:p>
         </p:txBody>
       </p:sp>
@@ -11896,38 +12181,37 @@
           <a:p>
             <a:pPr lvl="0"/>
             <a:r>
-              <a:rPr lang="ko-KR" altLang="en-US" smtClean="0"/>
+              <a:rPr lang="ko-KR" altLang="en-US"/>
               <a:t>마스터 텍스트 스타일을 편집합니다</a:t>
             </a:r>
           </a:p>
           <a:p>
             <a:pPr lvl="1"/>
             <a:r>
-              <a:rPr lang="ko-KR" altLang="en-US" smtClean="0"/>
+              <a:rPr lang="ko-KR" altLang="en-US"/>
               <a:t>둘째 수준</a:t>
             </a:r>
           </a:p>
           <a:p>
             <a:pPr lvl="2"/>
             <a:r>
-              <a:rPr lang="ko-KR" altLang="en-US" smtClean="0"/>
+              <a:rPr lang="ko-KR" altLang="en-US"/>
               <a:t>셋째 수준</a:t>
             </a:r>
           </a:p>
           <a:p>
             <a:pPr lvl="3"/>
             <a:r>
-              <a:rPr lang="ko-KR" altLang="en-US" smtClean="0"/>
+              <a:rPr lang="ko-KR" altLang="en-US"/>
               <a:t>넷째 수준</a:t>
             </a:r>
           </a:p>
           <a:p>
             <a:pPr lvl="4"/>
             <a:r>
-              <a:rPr lang="ko-KR" altLang="en-US" smtClean="0"/>
+              <a:rPr lang="ko-KR" altLang="en-US"/>
               <a:t>다섯째 수준</a:t>
             </a:r>
-            <a:endParaRPr lang="ko-KR" altLang="en-US"/>
           </a:p>
         </p:txBody>
       </p:sp>
@@ -11948,7 +12232,7 @@
           <a:p>
             <a:fld id="{5AB8D9B4-FCB9-4542-A184-7EC13267C87B}" type="datetimeFigureOut">
               <a:rPr lang="ko-KR" altLang="en-US" smtClean="0"/>
-              <a:t>2017-12-21</a:t>
+              <a:t>2018-01-02</a:t>
             </a:fld>
             <a:endParaRPr lang="ko-KR" altLang="en-US"/>
           </a:p>
@@ -12037,10 +12321,9 @@
           <a:lstStyle/>
           <a:p>
             <a:r>
-              <a:rPr lang="ko-KR" altLang="en-US" smtClean="0"/>
+              <a:rPr lang="ko-KR" altLang="en-US"/>
               <a:t>마스터 제목 스타일 편집</a:t>
             </a:r>
-            <a:endParaRPr lang="ko-KR" altLang="en-US"/>
           </a:p>
         </p:txBody>
       </p:sp>
@@ -12061,38 +12344,37 @@
           <a:p>
             <a:pPr lvl="0"/>
             <a:r>
-              <a:rPr lang="ko-KR" altLang="en-US" smtClean="0"/>
+              <a:rPr lang="ko-KR" altLang="en-US"/>
               <a:t>마스터 텍스트 스타일을 편집합니다</a:t>
             </a:r>
           </a:p>
           <a:p>
             <a:pPr lvl="1"/>
             <a:r>
-              <a:rPr lang="ko-KR" altLang="en-US" smtClean="0"/>
+              <a:rPr lang="ko-KR" altLang="en-US"/>
               <a:t>둘째 수준</a:t>
             </a:r>
           </a:p>
           <a:p>
             <a:pPr lvl="2"/>
             <a:r>
-              <a:rPr lang="ko-KR" altLang="en-US" smtClean="0"/>
+              <a:rPr lang="ko-KR" altLang="en-US"/>
               <a:t>셋째 수준</a:t>
             </a:r>
           </a:p>
           <a:p>
             <a:pPr lvl="3"/>
             <a:r>
-              <a:rPr lang="ko-KR" altLang="en-US" smtClean="0"/>
+              <a:rPr lang="ko-KR" altLang="en-US"/>
               <a:t>넷째 수준</a:t>
             </a:r>
           </a:p>
           <a:p>
             <a:pPr lvl="4"/>
             <a:r>
-              <a:rPr lang="ko-KR" altLang="en-US" smtClean="0"/>
+              <a:rPr lang="ko-KR" altLang="en-US"/>
               <a:t>다섯째 수준</a:t>
             </a:r>
-            <a:endParaRPr lang="ko-KR" altLang="en-US"/>
           </a:p>
         </p:txBody>
       </p:sp>
@@ -12113,7 +12395,7 @@
           <a:p>
             <a:fld id="{5AB8D9B4-FCB9-4542-A184-7EC13267C87B}" type="datetimeFigureOut">
               <a:rPr lang="ko-KR" altLang="en-US" smtClean="0"/>
-              <a:t>2017-12-21</a:t>
+              <a:t>2018-01-02</a:t>
             </a:fld>
             <a:endParaRPr lang="ko-KR" altLang="en-US"/>
           </a:p>
@@ -12211,10 +12493,9 @@
           </a:lstStyle>
           <a:p>
             <a:r>
-              <a:rPr lang="ko-KR" altLang="en-US" smtClean="0"/>
+              <a:rPr lang="ko-KR" altLang="en-US"/>
               <a:t>마스터 제목 스타일 편집</a:t>
             </a:r>
-            <a:endParaRPr lang="ko-KR" altLang="en-US"/>
           </a:p>
         </p:txBody>
       </p:sp>
@@ -12331,7 +12612,7 @@
           <a:p>
             <a:pPr lvl="0"/>
             <a:r>
-              <a:rPr lang="ko-KR" altLang="en-US" smtClean="0"/>
+              <a:rPr lang="ko-KR" altLang="en-US"/>
               <a:t>마스터 텍스트 스타일을 편집합니다</a:t>
             </a:r>
           </a:p>
@@ -12354,7 +12635,7 @@
           <a:p>
             <a:fld id="{5AB8D9B4-FCB9-4542-A184-7EC13267C87B}" type="datetimeFigureOut">
               <a:rPr lang="ko-KR" altLang="en-US" smtClean="0"/>
-              <a:t>2017-12-21</a:t>
+              <a:t>2018-01-02</a:t>
             </a:fld>
             <a:endParaRPr lang="ko-KR" altLang="en-US"/>
           </a:p>
@@ -12443,10 +12724,9 @@
           <a:lstStyle/>
           <a:p>
             <a:r>
-              <a:rPr lang="ko-KR" altLang="en-US" smtClean="0"/>
+              <a:rPr lang="ko-KR" altLang="en-US"/>
               <a:t>마스터 제목 스타일 편집</a:t>
             </a:r>
-            <a:endParaRPr lang="ko-KR" altLang="en-US"/>
           </a:p>
         </p:txBody>
       </p:sp>
@@ -12500,38 +12780,37 @@
           <a:p>
             <a:pPr lvl="0"/>
             <a:r>
-              <a:rPr lang="ko-KR" altLang="en-US" smtClean="0"/>
+              <a:rPr lang="ko-KR" altLang="en-US"/>
               <a:t>마스터 텍스트 스타일을 편집합니다</a:t>
             </a:r>
           </a:p>
           <a:p>
             <a:pPr lvl="1"/>
             <a:r>
-              <a:rPr lang="ko-KR" altLang="en-US" smtClean="0"/>
+              <a:rPr lang="ko-KR" altLang="en-US"/>
               <a:t>둘째 수준</a:t>
             </a:r>
           </a:p>
           <a:p>
             <a:pPr lvl="2"/>
             <a:r>
-              <a:rPr lang="ko-KR" altLang="en-US" smtClean="0"/>
+              <a:rPr lang="ko-KR" altLang="en-US"/>
               <a:t>셋째 수준</a:t>
             </a:r>
           </a:p>
           <a:p>
             <a:pPr lvl="3"/>
             <a:r>
-              <a:rPr lang="ko-KR" altLang="en-US" smtClean="0"/>
+              <a:rPr lang="ko-KR" altLang="en-US"/>
               <a:t>넷째 수준</a:t>
             </a:r>
           </a:p>
           <a:p>
             <a:pPr lvl="4"/>
             <a:r>
-              <a:rPr lang="ko-KR" altLang="en-US" smtClean="0"/>
+              <a:rPr lang="ko-KR" altLang="en-US"/>
               <a:t>다섯째 수준</a:t>
             </a:r>
-            <a:endParaRPr lang="ko-KR" altLang="en-US"/>
           </a:p>
         </p:txBody>
       </p:sp>
@@ -12585,38 +12864,37 @@
           <a:p>
             <a:pPr lvl="0"/>
             <a:r>
-              <a:rPr lang="ko-KR" altLang="en-US" smtClean="0"/>
+              <a:rPr lang="ko-KR" altLang="en-US"/>
               <a:t>마스터 텍스트 스타일을 편집합니다</a:t>
             </a:r>
           </a:p>
           <a:p>
             <a:pPr lvl="1"/>
             <a:r>
-              <a:rPr lang="ko-KR" altLang="en-US" smtClean="0"/>
+              <a:rPr lang="ko-KR" altLang="en-US"/>
               <a:t>둘째 수준</a:t>
             </a:r>
           </a:p>
           <a:p>
             <a:pPr lvl="2"/>
             <a:r>
-              <a:rPr lang="ko-KR" altLang="en-US" smtClean="0"/>
+              <a:rPr lang="ko-KR" altLang="en-US"/>
               <a:t>셋째 수준</a:t>
             </a:r>
           </a:p>
           <a:p>
             <a:pPr lvl="3"/>
             <a:r>
-              <a:rPr lang="ko-KR" altLang="en-US" smtClean="0"/>
+              <a:rPr lang="ko-KR" altLang="en-US"/>
               <a:t>넷째 수준</a:t>
             </a:r>
           </a:p>
           <a:p>
             <a:pPr lvl="4"/>
             <a:r>
-              <a:rPr lang="ko-KR" altLang="en-US" smtClean="0"/>
+              <a:rPr lang="ko-KR" altLang="en-US"/>
               <a:t>다섯째 수준</a:t>
             </a:r>
-            <a:endParaRPr lang="ko-KR" altLang="en-US"/>
           </a:p>
         </p:txBody>
       </p:sp>
@@ -12637,7 +12915,7 @@
           <a:p>
             <a:fld id="{5AB8D9B4-FCB9-4542-A184-7EC13267C87B}" type="datetimeFigureOut">
               <a:rPr lang="ko-KR" altLang="en-US" smtClean="0"/>
-              <a:t>2017-12-21</a:t>
+              <a:t>2018-01-02</a:t>
             </a:fld>
             <a:endParaRPr lang="ko-KR" altLang="en-US"/>
           </a:p>
@@ -12730,10 +13008,9 @@
           </a:lstStyle>
           <a:p>
             <a:r>
-              <a:rPr lang="ko-KR" altLang="en-US" smtClean="0"/>
+              <a:rPr lang="ko-KR" altLang="en-US"/>
               <a:t>마스터 제목 스타일 편집</a:t>
             </a:r>
-            <a:endParaRPr lang="ko-KR" altLang="en-US"/>
           </a:p>
         </p:txBody>
       </p:sp>
@@ -12796,7 +13073,7 @@
           <a:p>
             <a:pPr lvl="0"/>
             <a:r>
-              <a:rPr lang="ko-KR" altLang="en-US" smtClean="0"/>
+              <a:rPr lang="ko-KR" altLang="en-US"/>
               <a:t>마스터 텍스트 스타일을 편집합니다</a:t>
             </a:r>
           </a:p>
@@ -12852,38 +13129,37 @@
           <a:p>
             <a:pPr lvl="0"/>
             <a:r>
-              <a:rPr lang="ko-KR" altLang="en-US" smtClean="0"/>
+              <a:rPr lang="ko-KR" altLang="en-US"/>
               <a:t>마스터 텍스트 스타일을 편집합니다</a:t>
             </a:r>
           </a:p>
           <a:p>
             <a:pPr lvl="1"/>
             <a:r>
-              <a:rPr lang="ko-KR" altLang="en-US" smtClean="0"/>
+              <a:rPr lang="ko-KR" altLang="en-US"/>
               <a:t>둘째 수준</a:t>
             </a:r>
           </a:p>
           <a:p>
             <a:pPr lvl="2"/>
             <a:r>
-              <a:rPr lang="ko-KR" altLang="en-US" smtClean="0"/>
+              <a:rPr lang="ko-KR" altLang="en-US"/>
               <a:t>셋째 수준</a:t>
             </a:r>
           </a:p>
           <a:p>
             <a:pPr lvl="3"/>
             <a:r>
-              <a:rPr lang="ko-KR" altLang="en-US" smtClean="0"/>
+              <a:rPr lang="ko-KR" altLang="en-US"/>
               <a:t>넷째 수준</a:t>
             </a:r>
           </a:p>
           <a:p>
             <a:pPr lvl="4"/>
             <a:r>
-              <a:rPr lang="ko-KR" altLang="en-US" smtClean="0"/>
+              <a:rPr lang="ko-KR" altLang="en-US"/>
               <a:t>다섯째 수준</a:t>
             </a:r>
-            <a:endParaRPr lang="ko-KR" altLang="en-US"/>
           </a:p>
         </p:txBody>
       </p:sp>
@@ -12946,7 +13222,7 @@
           <a:p>
             <a:pPr lvl="0"/>
             <a:r>
-              <a:rPr lang="ko-KR" altLang="en-US" smtClean="0"/>
+              <a:rPr lang="ko-KR" altLang="en-US"/>
               <a:t>마스터 텍스트 스타일을 편집합니다</a:t>
             </a:r>
           </a:p>
@@ -13002,38 +13278,37 @@
           <a:p>
             <a:pPr lvl="0"/>
             <a:r>
-              <a:rPr lang="ko-KR" altLang="en-US" smtClean="0"/>
+              <a:rPr lang="ko-KR" altLang="en-US"/>
               <a:t>마스터 텍스트 스타일을 편집합니다</a:t>
             </a:r>
           </a:p>
           <a:p>
             <a:pPr lvl="1"/>
             <a:r>
-              <a:rPr lang="ko-KR" altLang="en-US" smtClean="0"/>
+              <a:rPr lang="ko-KR" altLang="en-US"/>
               <a:t>둘째 수준</a:t>
             </a:r>
           </a:p>
           <a:p>
             <a:pPr lvl="2"/>
             <a:r>
-              <a:rPr lang="ko-KR" altLang="en-US" smtClean="0"/>
+              <a:rPr lang="ko-KR" altLang="en-US"/>
               <a:t>셋째 수준</a:t>
             </a:r>
           </a:p>
           <a:p>
             <a:pPr lvl="3"/>
             <a:r>
-              <a:rPr lang="ko-KR" altLang="en-US" smtClean="0"/>
+              <a:rPr lang="ko-KR" altLang="en-US"/>
               <a:t>넷째 수준</a:t>
             </a:r>
           </a:p>
           <a:p>
             <a:pPr lvl="4"/>
             <a:r>
-              <a:rPr lang="ko-KR" altLang="en-US" smtClean="0"/>
+              <a:rPr lang="ko-KR" altLang="en-US"/>
               <a:t>다섯째 수준</a:t>
             </a:r>
-            <a:endParaRPr lang="ko-KR" altLang="en-US"/>
           </a:p>
         </p:txBody>
       </p:sp>
@@ -13054,7 +13329,7 @@
           <a:p>
             <a:fld id="{5AB8D9B4-FCB9-4542-A184-7EC13267C87B}" type="datetimeFigureOut">
               <a:rPr lang="ko-KR" altLang="en-US" smtClean="0"/>
-              <a:t>2017-12-21</a:t>
+              <a:t>2018-01-02</a:t>
             </a:fld>
             <a:endParaRPr lang="ko-KR" altLang="en-US"/>
           </a:p>
@@ -13143,10 +13418,9 @@
           <a:lstStyle/>
           <a:p>
             <a:r>
-              <a:rPr lang="ko-KR" altLang="en-US" smtClean="0"/>
+              <a:rPr lang="ko-KR" altLang="en-US"/>
               <a:t>마스터 제목 스타일 편집</a:t>
             </a:r>
-            <a:endParaRPr lang="ko-KR" altLang="en-US"/>
           </a:p>
         </p:txBody>
       </p:sp>
@@ -13167,7 +13441,7 @@
           <a:p>
             <a:fld id="{5AB8D9B4-FCB9-4542-A184-7EC13267C87B}" type="datetimeFigureOut">
               <a:rPr lang="ko-KR" altLang="en-US" smtClean="0"/>
-              <a:t>2017-12-21</a:t>
+              <a:t>2018-01-02</a:t>
             </a:fld>
             <a:endParaRPr lang="ko-KR" altLang="en-US"/>
           </a:p>
@@ -13257,7 +13531,7 @@
           <a:p>
             <a:fld id="{5AB8D9B4-FCB9-4542-A184-7EC13267C87B}" type="datetimeFigureOut">
               <a:rPr lang="ko-KR" altLang="en-US" smtClean="0"/>
-              <a:t>2017-12-21</a:t>
+              <a:t>2018-01-02</a:t>
             </a:fld>
             <a:endParaRPr lang="ko-KR" altLang="en-US"/>
           </a:p>
@@ -13355,10 +13629,9 @@
           </a:lstStyle>
           <a:p>
             <a:r>
-              <a:rPr lang="ko-KR" altLang="en-US" smtClean="0"/>
+              <a:rPr lang="ko-KR" altLang="en-US"/>
               <a:t>마스터 제목 스타일 편집</a:t>
             </a:r>
-            <a:endParaRPr lang="ko-KR" altLang="en-US"/>
           </a:p>
         </p:txBody>
       </p:sp>
@@ -13412,38 +13685,37 @@
           <a:p>
             <a:pPr lvl="0"/>
             <a:r>
-              <a:rPr lang="ko-KR" altLang="en-US" smtClean="0"/>
+              <a:rPr lang="ko-KR" altLang="en-US"/>
               <a:t>마스터 텍스트 스타일을 편집합니다</a:t>
             </a:r>
           </a:p>
           <a:p>
             <a:pPr lvl="1"/>
             <a:r>
-              <a:rPr lang="ko-KR" altLang="en-US" smtClean="0"/>
+              <a:rPr lang="ko-KR" altLang="en-US"/>
               <a:t>둘째 수준</a:t>
             </a:r>
           </a:p>
           <a:p>
             <a:pPr lvl="2"/>
             <a:r>
-              <a:rPr lang="ko-KR" altLang="en-US" smtClean="0"/>
+              <a:rPr lang="ko-KR" altLang="en-US"/>
               <a:t>셋째 수준</a:t>
             </a:r>
           </a:p>
           <a:p>
             <a:pPr lvl="3"/>
             <a:r>
-              <a:rPr lang="ko-KR" altLang="en-US" smtClean="0"/>
+              <a:rPr lang="ko-KR" altLang="en-US"/>
               <a:t>넷째 수준</a:t>
             </a:r>
           </a:p>
           <a:p>
             <a:pPr lvl="4"/>
             <a:r>
-              <a:rPr lang="ko-KR" altLang="en-US" smtClean="0"/>
+              <a:rPr lang="ko-KR" altLang="en-US"/>
               <a:t>다섯째 수준</a:t>
             </a:r>
-            <a:endParaRPr lang="ko-KR" altLang="en-US"/>
           </a:p>
         </p:txBody>
       </p:sp>
@@ -13506,7 +13778,7 @@
           <a:p>
             <a:pPr lvl="0"/>
             <a:r>
-              <a:rPr lang="ko-KR" altLang="en-US" smtClean="0"/>
+              <a:rPr lang="ko-KR" altLang="en-US"/>
               <a:t>마스터 텍스트 스타일을 편집합니다</a:t>
             </a:r>
           </a:p>
@@ -13529,7 +13801,7 @@
           <a:p>
             <a:fld id="{5AB8D9B4-FCB9-4542-A184-7EC13267C87B}" type="datetimeFigureOut">
               <a:rPr lang="ko-KR" altLang="en-US" smtClean="0"/>
-              <a:t>2017-12-21</a:t>
+              <a:t>2018-01-02</a:t>
             </a:fld>
             <a:endParaRPr lang="ko-KR" altLang="en-US"/>
           </a:p>
@@ -13627,10 +13899,9 @@
           </a:lstStyle>
           <a:p>
             <a:r>
-              <a:rPr lang="ko-KR" altLang="en-US" smtClean="0"/>
+              <a:rPr lang="ko-KR" altLang="en-US"/>
               <a:t>마스터 제목 스타일 편집</a:t>
             </a:r>
-            <a:endParaRPr lang="ko-KR" altLang="en-US"/>
           </a:p>
         </p:txBody>
       </p:sp>
@@ -13754,7 +14025,7 @@
           <a:p>
             <a:pPr lvl="0"/>
             <a:r>
-              <a:rPr lang="ko-KR" altLang="en-US" smtClean="0"/>
+              <a:rPr lang="ko-KR" altLang="en-US"/>
               <a:t>마스터 텍스트 스타일을 편집합니다</a:t>
             </a:r>
           </a:p>
@@ -13777,7 +14048,7 @@
           <a:p>
             <a:fld id="{5AB8D9B4-FCB9-4542-A184-7EC13267C87B}" type="datetimeFigureOut">
               <a:rPr lang="ko-KR" altLang="en-US" smtClean="0"/>
-              <a:t>2017-12-21</a:t>
+              <a:t>2018-01-02</a:t>
             </a:fld>
             <a:endParaRPr lang="ko-KR" altLang="en-US"/>
           </a:p>
@@ -13881,10 +14152,9 @@
           <a:lstStyle/>
           <a:p>
             <a:r>
-              <a:rPr lang="ko-KR" altLang="en-US" smtClean="0"/>
+              <a:rPr lang="ko-KR" altLang="en-US"/>
               <a:t>마스터 제목 스타일 편집</a:t>
             </a:r>
-            <a:endParaRPr lang="ko-KR" altLang="en-US"/>
           </a:p>
         </p:txBody>
       </p:sp>
@@ -13915,38 +14185,37 @@
           <a:p>
             <a:pPr lvl="0"/>
             <a:r>
-              <a:rPr lang="ko-KR" altLang="en-US" smtClean="0"/>
+              <a:rPr lang="ko-KR" altLang="en-US"/>
               <a:t>마스터 텍스트 스타일을 편집합니다</a:t>
             </a:r>
           </a:p>
           <a:p>
             <a:pPr lvl="1"/>
             <a:r>
-              <a:rPr lang="ko-KR" altLang="en-US" smtClean="0"/>
+              <a:rPr lang="ko-KR" altLang="en-US"/>
               <a:t>둘째 수준</a:t>
             </a:r>
           </a:p>
           <a:p>
             <a:pPr lvl="2"/>
             <a:r>
-              <a:rPr lang="ko-KR" altLang="en-US" smtClean="0"/>
+              <a:rPr lang="ko-KR" altLang="en-US"/>
               <a:t>셋째 수준</a:t>
             </a:r>
           </a:p>
           <a:p>
             <a:pPr lvl="3"/>
             <a:r>
-              <a:rPr lang="ko-KR" altLang="en-US" smtClean="0"/>
+              <a:rPr lang="ko-KR" altLang="en-US"/>
               <a:t>넷째 수준</a:t>
             </a:r>
           </a:p>
           <a:p>
             <a:pPr lvl="4"/>
             <a:r>
-              <a:rPr lang="ko-KR" altLang="en-US" smtClean="0"/>
+              <a:rPr lang="ko-KR" altLang="en-US"/>
               <a:t>다섯째 수준</a:t>
             </a:r>
-            <a:endParaRPr lang="ko-KR" altLang="en-US"/>
           </a:p>
         </p:txBody>
       </p:sp>
@@ -13985,7 +14254,7 @@
           <a:p>
             <a:fld id="{5AB8D9B4-FCB9-4542-A184-7EC13267C87B}" type="datetimeFigureOut">
               <a:rPr lang="ko-KR" altLang="en-US" smtClean="0"/>
-              <a:t>2017-12-21</a:t>
+              <a:t>2018-01-02</a:t>
             </a:fld>
             <a:endParaRPr lang="ko-KR" altLang="en-US"/>
           </a:p>
@@ -14433,6 +14702,737 @@
 </p:sld>
 </file>
 
+<file path=ppt/slides/slide2.xml><?xml version="1.0" encoding="utf-8"?>
+<p:sld xmlns:a="http://schemas.openxmlformats.org/drawingml/2006/main" xmlns:r="http://schemas.openxmlformats.org/officeDocument/2006/relationships" xmlns:p="http://schemas.openxmlformats.org/presentationml/2006/main">
+  <p:cSld>
+    <p:spTree>
+      <p:nvGrpSpPr>
+        <p:cNvPr id="1" name=""/>
+        <p:cNvGrpSpPr/>
+        <p:nvPr/>
+      </p:nvGrpSpPr>
+      <p:grpSpPr>
+        <a:xfrm>
+          <a:off x="0" y="0"/>
+          <a:ext cx="0" cy="0"/>
+          <a:chOff x="0" y="0"/>
+          <a:chExt cx="0" cy="0"/>
+        </a:xfrm>
+      </p:grpSpPr>
+      <p:sp>
+        <p:nvSpPr>
+          <p:cNvPr id="2" name="제목 1">
+            <a:extLst>
+              <a:ext uri="{FF2B5EF4-FFF2-40B4-BE49-F238E27FC236}">
+                <a16:creationId xmlns:a16="http://schemas.microsoft.com/office/drawing/2014/main" id="{D50E618C-14DA-44FD-B66D-D63E6BD3BAEB}"/>
+              </a:ext>
+            </a:extLst>
+          </p:cNvPr>
+          <p:cNvSpPr>
+            <a:spLocks noGrp="1"/>
+          </p:cNvSpPr>
+          <p:nvPr>
+            <p:ph type="title"/>
+          </p:nvPr>
+        </p:nvSpPr>
+        <p:spPr/>
+        <p:txBody>
+          <a:bodyPr/>
+          <a:lstStyle/>
+          <a:p>
+            <a:endParaRPr lang="ko-KR" altLang="en-US" dirty="0"/>
+          </a:p>
+        </p:txBody>
+      </p:sp>
+      <p:sp>
+        <p:nvSpPr>
+          <p:cNvPr id="3" name="내용 개체 틀 2">
+            <a:extLst>
+              <a:ext uri="{FF2B5EF4-FFF2-40B4-BE49-F238E27FC236}">
+                <a16:creationId xmlns:a16="http://schemas.microsoft.com/office/drawing/2014/main" id="{03B0E1E8-1DC8-47C3-95C7-874534292DDB}"/>
+              </a:ext>
+            </a:extLst>
+          </p:cNvPr>
+          <p:cNvSpPr>
+            <a:spLocks noGrp="1"/>
+          </p:cNvSpPr>
+          <p:nvPr>
+            <p:ph idx="1"/>
+          </p:nvPr>
+        </p:nvSpPr>
+        <p:spPr>
+          <a:ln>
+            <a:noFill/>
+          </a:ln>
+        </p:spPr>
+        <p:txBody>
+          <a:bodyPr/>
+          <a:lstStyle/>
+          <a:p>
+            <a:pPr marL="0" indent="0">
+              <a:lnSpc>
+                <a:spcPct val="150000"/>
+              </a:lnSpc>
+              <a:buNone/>
+            </a:pPr>
+            <a:r>
+              <a:rPr lang="en-US" altLang="ko-KR" sz="4800" dirty="0"/>
+              <a:t> </a:t>
+            </a:r>
+            <a:r>
+              <a:rPr lang="en-US" altLang="ko-KR" sz="4400" dirty="0"/>
+              <a:t>t</a:t>
+            </a:r>
+            <a:r>
+              <a:rPr lang="ko-KR" altLang="en-US" sz="4400" dirty="0"/>
+              <a:t> </a:t>
+            </a:r>
+            <a:r>
+              <a:rPr lang="en-US" altLang="ko-KR" sz="4400" dirty="0"/>
+              <a:t>=</a:t>
+            </a:r>
+            <a:r>
+              <a:rPr lang="ko-KR" altLang="en-US" sz="4400" dirty="0"/>
+              <a:t> </a:t>
+            </a:r>
+            <a:endParaRPr lang="en-US" altLang="ko-KR" sz="4400" dirty="0"/>
+          </a:p>
+          <a:p>
+            <a:pPr marL="0" indent="0">
+              <a:lnSpc>
+                <a:spcPct val="150000"/>
+              </a:lnSpc>
+              <a:buNone/>
+            </a:pPr>
+            <a:r>
+              <a:rPr lang="en-US" altLang="ko-KR" sz="4400" dirty="0"/>
+              <a:t> 	[ [ [ 0, 0, 0 ], [ 1, 2, 3 ] ],</a:t>
+            </a:r>
+          </a:p>
+          <a:p>
+            <a:pPr marL="0" indent="0">
+              <a:lnSpc>
+                <a:spcPct val="150000"/>
+              </a:lnSpc>
+              <a:buNone/>
+            </a:pPr>
+            <a:r>
+              <a:rPr lang="en-US" altLang="ko-KR" sz="4400" dirty="0"/>
+              <a:t>	[ [ 1, 1, 1 ], [ 4, 5, 6 ] ] ]</a:t>
+            </a:r>
+            <a:endParaRPr lang="ko-KR" altLang="en-US" sz="4400" dirty="0"/>
+          </a:p>
+          <a:p>
+            <a:pPr marL="0" indent="0">
+              <a:buNone/>
+            </a:pPr>
+            <a:endParaRPr lang="ko-KR" altLang="en-US" dirty="0"/>
+          </a:p>
+        </p:txBody>
+      </p:sp>
+      <p:sp>
+        <p:nvSpPr>
+          <p:cNvPr id="4" name="설명선: 선 3">
+            <a:extLst>
+              <a:ext uri="{FF2B5EF4-FFF2-40B4-BE49-F238E27FC236}">
+                <a16:creationId xmlns:a16="http://schemas.microsoft.com/office/drawing/2014/main" id="{B6EF30B4-9287-4D51-BEA3-BE2A51D20EEE}"/>
+              </a:ext>
+            </a:extLst>
+          </p:cNvPr>
+          <p:cNvSpPr/>
+          <p:nvPr/>
+        </p:nvSpPr>
+        <p:spPr>
+          <a:xfrm>
+            <a:off x="1403648" y="3032956"/>
+            <a:ext cx="1152128" cy="792088"/>
+          </a:xfrm>
+          <a:prstGeom prst="borderCallout1">
+            <a:avLst>
+              <a:gd name="adj1" fmla="val 10924"/>
+              <a:gd name="adj2" fmla="val -1607"/>
+              <a:gd name="adj3" fmla="val 61627"/>
+              <a:gd name="adj4" fmla="val -27571"/>
+            </a:avLst>
+          </a:prstGeom>
+          <a:noFill/>
+          <a:ln>
+            <a:solidFill>
+              <a:srgbClr val="00B050"/>
+            </a:solidFill>
+          </a:ln>
+        </p:spPr>
+        <p:style>
+          <a:lnRef idx="2">
+            <a:schemeClr val="accent1">
+              <a:shade val="50000"/>
+            </a:schemeClr>
+          </a:lnRef>
+          <a:fillRef idx="1">
+            <a:schemeClr val="accent1"/>
+          </a:fillRef>
+          <a:effectRef idx="0">
+            <a:schemeClr val="accent1"/>
+          </a:effectRef>
+          <a:fontRef idx="minor">
+            <a:schemeClr val="lt1"/>
+          </a:fontRef>
+        </p:style>
+        <p:txBody>
+          <a:bodyPr rtlCol="0" anchor="ctr"/>
+          <a:lstStyle/>
+          <a:p>
+            <a:pPr algn="ctr"/>
+            <a:endParaRPr lang="ko-KR" altLang="en-US"/>
+          </a:p>
+        </p:txBody>
+      </p:sp>
+      <p:sp>
+        <p:nvSpPr>
+          <p:cNvPr id="5" name="설명선: 굽은 이중선 4">
+            <a:extLst>
+              <a:ext uri="{FF2B5EF4-FFF2-40B4-BE49-F238E27FC236}">
+                <a16:creationId xmlns:a16="http://schemas.microsoft.com/office/drawing/2014/main" id="{432A368B-E381-46EC-973D-DBB33F882B56}"/>
+              </a:ext>
+            </a:extLst>
+          </p:cNvPr>
+          <p:cNvSpPr/>
+          <p:nvPr/>
+        </p:nvSpPr>
+        <p:spPr>
+          <a:xfrm>
+            <a:off x="2267744" y="4393998"/>
+            <a:ext cx="1512168" cy="576064"/>
+          </a:xfrm>
+          <a:prstGeom prst="borderCallout3">
+            <a:avLst>
+              <a:gd name="adj1" fmla="val 18750"/>
+              <a:gd name="adj2" fmla="val -4233"/>
+              <a:gd name="adj3" fmla="val 18750"/>
+              <a:gd name="adj4" fmla="val -16667"/>
+              <a:gd name="adj5" fmla="val 100000"/>
+              <a:gd name="adj6" fmla="val -16667"/>
+              <a:gd name="adj7" fmla="val 145248"/>
+              <a:gd name="adj8" fmla="val -2184"/>
+            </a:avLst>
+          </a:prstGeom>
+          <a:noFill/>
+          <a:ln w="28575">
+            <a:solidFill>
+              <a:srgbClr val="0070C0"/>
+            </a:solidFill>
+          </a:ln>
+        </p:spPr>
+        <p:style>
+          <a:lnRef idx="2">
+            <a:schemeClr val="accent1">
+              <a:shade val="50000"/>
+            </a:schemeClr>
+          </a:lnRef>
+          <a:fillRef idx="1">
+            <a:schemeClr val="accent1"/>
+          </a:fillRef>
+          <a:effectRef idx="0">
+            <a:schemeClr val="accent1"/>
+          </a:effectRef>
+          <a:fontRef idx="minor">
+            <a:schemeClr val="lt1"/>
+          </a:fontRef>
+        </p:style>
+        <p:txBody>
+          <a:bodyPr rtlCol="0" anchor="ctr"/>
+          <a:lstStyle/>
+          <a:p>
+            <a:pPr algn="ctr"/>
+            <a:endParaRPr lang="ko-KR" altLang="en-US"/>
+          </a:p>
+        </p:txBody>
+      </p:sp>
+      <p:sp>
+        <p:nvSpPr>
+          <p:cNvPr id="7" name="설명선: 굽은 이중선 6">
+            <a:extLst>
+              <a:ext uri="{FF2B5EF4-FFF2-40B4-BE49-F238E27FC236}">
+                <a16:creationId xmlns:a16="http://schemas.microsoft.com/office/drawing/2014/main" id="{D537FC4E-974B-45A1-B060-FF6D2BA78FE0}"/>
+              </a:ext>
+            </a:extLst>
+          </p:cNvPr>
+          <p:cNvSpPr/>
+          <p:nvPr/>
+        </p:nvSpPr>
+        <p:spPr>
+          <a:xfrm rot="10800000">
+            <a:off x="2087724" y="2893504"/>
+            <a:ext cx="5076564" cy="1070992"/>
+          </a:xfrm>
+          <a:prstGeom prst="borderCallout3">
+            <a:avLst>
+              <a:gd name="adj1" fmla="val 20197"/>
+              <a:gd name="adj2" fmla="val -701"/>
+              <a:gd name="adj3" fmla="val 18750"/>
+              <a:gd name="adj4" fmla="val -16667"/>
+              <a:gd name="adj5" fmla="val 100000"/>
+              <a:gd name="adj6" fmla="val -16667"/>
+              <a:gd name="adj7" fmla="val 121646"/>
+              <a:gd name="adj8" fmla="val -8333"/>
+            </a:avLst>
+          </a:prstGeom>
+          <a:noFill/>
+          <a:ln>
+            <a:solidFill>
+              <a:srgbClr val="FF0000"/>
+            </a:solidFill>
+          </a:ln>
+        </p:spPr>
+        <p:style>
+          <a:lnRef idx="2">
+            <a:schemeClr val="accent1">
+              <a:shade val="50000"/>
+            </a:schemeClr>
+          </a:lnRef>
+          <a:fillRef idx="1">
+            <a:schemeClr val="accent1"/>
+          </a:fillRef>
+          <a:effectRef idx="0">
+            <a:schemeClr val="accent1"/>
+          </a:effectRef>
+          <a:fontRef idx="minor">
+            <a:schemeClr val="lt1"/>
+          </a:fontRef>
+        </p:style>
+        <p:txBody>
+          <a:bodyPr rtlCol="0" anchor="ctr"/>
+          <a:lstStyle/>
+          <a:p>
+            <a:pPr algn="ctr"/>
+            <a:endParaRPr lang="ko-KR" altLang="en-US"/>
+          </a:p>
+        </p:txBody>
+      </p:sp>
+      <p:sp>
+        <p:nvSpPr>
+          <p:cNvPr id="8" name="TextBox 7">
+            <a:extLst>
+              <a:ext uri="{FF2B5EF4-FFF2-40B4-BE49-F238E27FC236}">
+                <a16:creationId xmlns:a16="http://schemas.microsoft.com/office/drawing/2014/main" id="{264AF4D5-14FF-4C97-82D5-310CBBB40997}"/>
+              </a:ext>
+            </a:extLst>
+          </p:cNvPr>
+          <p:cNvSpPr txBox="1"/>
+          <p:nvPr/>
+        </p:nvSpPr>
+        <p:spPr>
+          <a:xfrm>
+            <a:off x="5364088" y="1988840"/>
+            <a:ext cx="2232248" cy="646331"/>
+          </a:xfrm>
+          <a:prstGeom prst="rect">
+            <a:avLst/>
+          </a:prstGeom>
+          <a:noFill/>
+          <a:ln>
+            <a:solidFill>
+              <a:srgbClr val="FF0000"/>
+            </a:solidFill>
+          </a:ln>
+        </p:spPr>
+        <p:txBody>
+          <a:bodyPr wrap="square" rtlCol="0">
+            <a:spAutoFit/>
+          </a:bodyPr>
+          <a:lstStyle/>
+          <a:p>
+            <a:r>
+              <a:rPr lang="en-US" altLang="ko-KR" dirty="0"/>
+              <a:t>1</a:t>
+            </a:r>
+            <a:r>
+              <a:rPr lang="ko-KR" altLang="en-US" dirty="0" err="1"/>
+              <a:t>개짜리</a:t>
+            </a:r>
+            <a:r>
+              <a:rPr lang="ko-KR" altLang="en-US" dirty="0"/>
+              <a:t> </a:t>
+            </a:r>
+            <a:r>
+              <a:rPr lang="en-US" altLang="ko-KR" dirty="0"/>
+              <a:t>[ ]</a:t>
+            </a:r>
+            <a:r>
+              <a:rPr lang="ko-KR" altLang="en-US" dirty="0"/>
+              <a:t>의 개수 </a:t>
+            </a:r>
+            <a:r>
+              <a:rPr lang="en-US" altLang="ko-KR" dirty="0"/>
+              <a:t>: 2 -&gt; </a:t>
+            </a:r>
+            <a:r>
+              <a:rPr lang="ko-KR" altLang="en-US" dirty="0"/>
+              <a:t>행</a:t>
+            </a:r>
+          </a:p>
+        </p:txBody>
+      </p:sp>
+      <p:sp>
+        <p:nvSpPr>
+          <p:cNvPr id="10" name="TextBox 9">
+            <a:extLst>
+              <a:ext uri="{FF2B5EF4-FFF2-40B4-BE49-F238E27FC236}">
+                <a16:creationId xmlns:a16="http://schemas.microsoft.com/office/drawing/2014/main" id="{2C3D3331-14EF-417D-8EBD-909F9E7003F6}"/>
+              </a:ext>
+            </a:extLst>
+          </p:cNvPr>
+          <p:cNvSpPr txBox="1"/>
+          <p:nvPr/>
+        </p:nvSpPr>
+        <p:spPr>
+          <a:xfrm>
+            <a:off x="1979712" y="5230235"/>
+            <a:ext cx="2265666" cy="646331"/>
+          </a:xfrm>
+          <a:prstGeom prst="rect">
+            <a:avLst/>
+          </a:prstGeom>
+          <a:noFill/>
+          <a:ln>
+            <a:solidFill>
+              <a:srgbClr val="0070C0"/>
+            </a:solidFill>
+          </a:ln>
+        </p:spPr>
+        <p:txBody>
+          <a:bodyPr wrap="square" rtlCol="0">
+            <a:spAutoFit/>
+          </a:bodyPr>
+          <a:lstStyle/>
+          <a:p>
+            <a:r>
+              <a:rPr lang="ko-KR" altLang="en-US" dirty="0" err="1"/>
+              <a:t>제일안쪽의</a:t>
+            </a:r>
+            <a:r>
+              <a:rPr lang="ko-KR" altLang="en-US" dirty="0"/>
+              <a:t> 요소의 </a:t>
+            </a:r>
+            <a:r>
+              <a:rPr lang="ko-KR" altLang="en-US" dirty="0" err="1"/>
+              <a:t>갯수</a:t>
+            </a:r>
+            <a:r>
+              <a:rPr lang="ko-KR" altLang="en-US" dirty="0"/>
+              <a:t> </a:t>
+            </a:r>
+            <a:r>
+              <a:rPr lang="en-US" altLang="ko-KR" dirty="0"/>
+              <a:t>: 3 -&gt; </a:t>
+            </a:r>
+            <a:r>
+              <a:rPr lang="ko-KR" altLang="en-US" dirty="0"/>
+              <a:t>열</a:t>
+            </a:r>
+            <a:endParaRPr lang="en-US" altLang="ko-KR" dirty="0"/>
+          </a:p>
+        </p:txBody>
+      </p:sp>
+      <p:sp>
+        <p:nvSpPr>
+          <p:cNvPr id="12" name="설명선: 굽은 선 11">
+            <a:extLst>
+              <a:ext uri="{FF2B5EF4-FFF2-40B4-BE49-F238E27FC236}">
+                <a16:creationId xmlns:a16="http://schemas.microsoft.com/office/drawing/2014/main" id="{B061F2A5-3E9D-4DF7-9730-CFD47D49DF53}"/>
+              </a:ext>
+            </a:extLst>
+          </p:cNvPr>
+          <p:cNvSpPr/>
+          <p:nvPr/>
+        </p:nvSpPr>
+        <p:spPr>
+          <a:xfrm rot="10800000">
+            <a:off x="1403648" y="4221088"/>
+            <a:ext cx="5794058" cy="852999"/>
+          </a:xfrm>
+          <a:prstGeom prst="borderCallout2">
+            <a:avLst>
+              <a:gd name="adj1" fmla="val 18750"/>
+              <a:gd name="adj2" fmla="val -308"/>
+              <a:gd name="adj3" fmla="val 18750"/>
+              <a:gd name="adj4" fmla="val -16667"/>
+              <a:gd name="adj5" fmla="val -52839"/>
+              <a:gd name="adj6" fmla="val -8952"/>
+            </a:avLst>
+          </a:prstGeom>
+          <a:noFill/>
+          <a:ln>
+            <a:solidFill>
+              <a:srgbClr val="7030A0"/>
+            </a:solidFill>
+          </a:ln>
+        </p:spPr>
+        <p:style>
+          <a:lnRef idx="2">
+            <a:schemeClr val="accent1">
+              <a:shade val="50000"/>
+            </a:schemeClr>
+          </a:lnRef>
+          <a:fillRef idx="1">
+            <a:schemeClr val="accent1"/>
+          </a:fillRef>
+          <a:effectRef idx="0">
+            <a:schemeClr val="accent1"/>
+          </a:effectRef>
+          <a:fontRef idx="minor">
+            <a:schemeClr val="lt1"/>
+          </a:fontRef>
+        </p:style>
+        <p:txBody>
+          <a:bodyPr rtlCol="0" anchor="ctr"/>
+          <a:lstStyle/>
+          <a:p>
+            <a:pPr algn="ctr"/>
+            <a:endParaRPr lang="ko-KR" altLang="en-US"/>
+          </a:p>
+        </p:txBody>
+      </p:sp>
+      <p:sp>
+        <p:nvSpPr>
+          <p:cNvPr id="13" name="TextBox 12">
+            <a:extLst>
+              <a:ext uri="{FF2B5EF4-FFF2-40B4-BE49-F238E27FC236}">
+                <a16:creationId xmlns:a16="http://schemas.microsoft.com/office/drawing/2014/main" id="{56433B3A-8348-41E5-BDA9-DC38AFAD34E3}"/>
+              </a:ext>
+            </a:extLst>
+          </p:cNvPr>
+          <p:cNvSpPr txBox="1"/>
+          <p:nvPr/>
+        </p:nvSpPr>
+        <p:spPr>
+          <a:xfrm>
+            <a:off x="5364088" y="5276960"/>
+            <a:ext cx="2265666" cy="646331"/>
+          </a:xfrm>
+          <a:prstGeom prst="rect">
+            <a:avLst/>
+          </a:prstGeom>
+          <a:noFill/>
+          <a:ln>
+            <a:solidFill>
+              <a:srgbClr val="7030A0"/>
+            </a:solidFill>
+          </a:ln>
+        </p:spPr>
+        <p:txBody>
+          <a:bodyPr wrap="square" rtlCol="0">
+            <a:spAutoFit/>
+          </a:bodyPr>
+          <a:lstStyle/>
+          <a:p>
+            <a:r>
+              <a:rPr lang="en-US" altLang="ko-KR" dirty="0"/>
+              <a:t>2</a:t>
+            </a:r>
+            <a:r>
+              <a:rPr lang="ko-KR" altLang="en-US" dirty="0" err="1"/>
+              <a:t>개짜리</a:t>
+            </a:r>
+            <a:r>
+              <a:rPr lang="ko-KR" altLang="en-US" dirty="0"/>
+              <a:t> </a:t>
+            </a:r>
+            <a:r>
+              <a:rPr lang="en-US" altLang="ko-KR" dirty="0"/>
+              <a:t>[ ]</a:t>
+            </a:r>
+            <a:r>
+              <a:rPr lang="ko-KR" altLang="en-US" dirty="0"/>
+              <a:t>의 </a:t>
+            </a:r>
+            <a:r>
+              <a:rPr lang="ko-KR" altLang="en-US" dirty="0" err="1"/>
+              <a:t>갯수</a:t>
+            </a:r>
+            <a:r>
+              <a:rPr lang="ko-KR" altLang="en-US" dirty="0"/>
+              <a:t> </a:t>
+            </a:r>
+            <a:r>
+              <a:rPr lang="en-US" altLang="ko-KR" dirty="0"/>
+              <a:t>: 2 -&gt; </a:t>
+            </a:r>
+            <a:r>
+              <a:rPr lang="ko-KR" altLang="en-US" dirty="0"/>
+              <a:t>면</a:t>
+            </a:r>
+            <a:endParaRPr lang="en-US" altLang="ko-KR" dirty="0"/>
+          </a:p>
+        </p:txBody>
+      </p:sp>
+      <p:sp>
+        <p:nvSpPr>
+          <p:cNvPr id="14" name="TextBox 13">
+            <a:extLst>
+              <a:ext uri="{FF2B5EF4-FFF2-40B4-BE49-F238E27FC236}">
+                <a16:creationId xmlns:a16="http://schemas.microsoft.com/office/drawing/2014/main" id="{FB8E6070-C3BF-484F-B496-E58E38708778}"/>
+              </a:ext>
+            </a:extLst>
+          </p:cNvPr>
+          <p:cNvSpPr txBox="1"/>
+          <p:nvPr/>
+        </p:nvSpPr>
+        <p:spPr>
+          <a:xfrm>
+            <a:off x="8686800" y="2059543"/>
+            <a:ext cx="184731" cy="369332"/>
+          </a:xfrm>
+          <a:prstGeom prst="rect">
+            <a:avLst/>
+          </a:prstGeom>
+          <a:noFill/>
+        </p:spPr>
+        <p:txBody>
+          <a:bodyPr wrap="none" rtlCol="0">
+            <a:spAutoFit/>
+          </a:bodyPr>
+          <a:lstStyle/>
+          <a:p>
+            <a:endParaRPr lang="ko-KR" altLang="en-US" dirty="0"/>
+          </a:p>
+        </p:txBody>
+      </p:sp>
+      <p:sp>
+        <p:nvSpPr>
+          <p:cNvPr id="15" name="TextBox 14">
+            <a:extLst>
+              <a:ext uri="{FF2B5EF4-FFF2-40B4-BE49-F238E27FC236}">
+                <a16:creationId xmlns:a16="http://schemas.microsoft.com/office/drawing/2014/main" id="{1A26FDE8-20E7-4C98-9F07-5143586CE1D1}"/>
+              </a:ext>
+            </a:extLst>
+          </p:cNvPr>
+          <p:cNvSpPr txBox="1"/>
+          <p:nvPr/>
+        </p:nvSpPr>
+        <p:spPr>
+          <a:xfrm>
+            <a:off x="64250" y="3559368"/>
+            <a:ext cx="1208211" cy="1323439"/>
+          </a:xfrm>
+          <a:prstGeom prst="rect">
+            <a:avLst/>
+          </a:prstGeom>
+          <a:noFill/>
+          <a:ln>
+            <a:solidFill>
+              <a:srgbClr val="00B050"/>
+            </a:solidFill>
+          </a:ln>
+        </p:spPr>
+        <p:txBody>
+          <a:bodyPr wrap="square" rtlCol="0">
+            <a:spAutoFit/>
+          </a:bodyPr>
+          <a:lstStyle/>
+          <a:p>
+            <a:r>
+              <a:rPr lang="ko-KR" altLang="en-US" sz="1600" dirty="0"/>
+              <a:t>가장 왼쪽 상단 </a:t>
+            </a:r>
+            <a:r>
+              <a:rPr lang="en-US" altLang="ko-KR" sz="1600" dirty="0"/>
+              <a:t>[ ]</a:t>
+            </a:r>
+            <a:r>
+              <a:rPr lang="ko-KR" altLang="en-US" sz="1600" dirty="0"/>
+              <a:t>의 개수 </a:t>
+            </a:r>
+            <a:r>
+              <a:rPr lang="en-US" altLang="ko-KR" sz="1600" dirty="0"/>
+              <a:t>: 3 </a:t>
+            </a:r>
+          </a:p>
+          <a:p>
+            <a:r>
+              <a:rPr lang="en-US" altLang="ko-KR" sz="1600" dirty="0"/>
+              <a:t>-&gt; rank (</a:t>
+            </a:r>
+            <a:r>
+              <a:rPr lang="ko-KR" altLang="en-US" sz="1600" dirty="0"/>
+              <a:t>차원</a:t>
+            </a:r>
+            <a:r>
+              <a:rPr lang="en-US" altLang="ko-KR" sz="1600" dirty="0"/>
+              <a:t>)</a:t>
+            </a:r>
+            <a:endParaRPr lang="ko-KR" altLang="en-US" sz="1600" dirty="0"/>
+          </a:p>
+        </p:txBody>
+      </p:sp>
+    </p:spTree>
+    <p:extLst>
+      <p:ext uri="{BB962C8B-B14F-4D97-AF65-F5344CB8AC3E}">
+        <p14:creationId xmlns:p14="http://schemas.microsoft.com/office/powerpoint/2010/main" val="4002346620"/>
+      </p:ext>
+    </p:extLst>
+  </p:cSld>
+  <p:clrMapOvr>
+    <a:masterClrMapping/>
+  </p:clrMapOvr>
+</p:sld>
+</file>
+
+<file path=ppt/slides/slide3.xml><?xml version="1.0" encoding="utf-8"?>
+<p:sld xmlns:a="http://schemas.openxmlformats.org/drawingml/2006/main" xmlns:r="http://schemas.openxmlformats.org/officeDocument/2006/relationships" xmlns:p="http://schemas.openxmlformats.org/presentationml/2006/main">
+  <p:cSld>
+    <p:spTree>
+      <p:nvGrpSpPr>
+        <p:cNvPr id="1" name=""/>
+        <p:cNvGrpSpPr/>
+        <p:nvPr/>
+      </p:nvGrpSpPr>
+      <p:grpSpPr>
+        <a:xfrm>
+          <a:off x="0" y="0"/>
+          <a:ext cx="0" cy="0"/>
+          <a:chOff x="0" y="0"/>
+          <a:chExt cx="0" cy="0"/>
+        </a:xfrm>
+      </p:grpSpPr>
+      <p:sp>
+        <p:nvSpPr>
+          <p:cNvPr id="2" name="제목 1">
+            <a:extLst>
+              <a:ext uri="{FF2B5EF4-FFF2-40B4-BE49-F238E27FC236}">
+                <a16:creationId xmlns:a16="http://schemas.microsoft.com/office/drawing/2014/main" id="{59CAC5C7-382F-43B1-9CD1-19572D836162}"/>
+              </a:ext>
+            </a:extLst>
+          </p:cNvPr>
+          <p:cNvSpPr>
+            <a:spLocks noGrp="1"/>
+          </p:cNvSpPr>
+          <p:nvPr>
+            <p:ph type="title"/>
+          </p:nvPr>
+        </p:nvSpPr>
+        <p:spPr/>
+        <p:txBody>
+          <a:bodyPr/>
+          <a:lstStyle/>
+          <a:p>
+            <a:endParaRPr lang="ko-KR" altLang="en-US"/>
+          </a:p>
+        </p:txBody>
+      </p:sp>
+    </p:spTree>
+    <p:extLst>
+      <p:ext uri="{BB962C8B-B14F-4D97-AF65-F5344CB8AC3E}">
+        <p14:creationId xmlns:p14="http://schemas.microsoft.com/office/powerpoint/2010/main" val="2478285238"/>
+      </p:ext>
+    </p:extLst>
+  </p:cSld>
+  <p:clrMapOvr>
+    <a:masterClrMapping/>
+  </p:clrMapOvr>
+</p:sld>
+</file>
+
 <file path=ppt/theme/theme1.xml><?xml version="1.0" encoding="utf-8"?>
 <a:theme xmlns:a="http://schemas.openxmlformats.org/drawingml/2006/main" name="Office 테마">
   <a:themeElements>
@@ -14714,4 +15714,299 @@
   <a:objectDefaults/>
   <a:extraClrSchemeLst/>
 </a:theme>
+</file>
+
+<file path=ppt/theme/theme2.xml><?xml version="1.0" encoding="utf-8"?>
+<a:theme xmlns:a="http://schemas.openxmlformats.org/drawingml/2006/main" name="Office 테마">
+  <a:themeElements>
+    <a:clrScheme name="Office">
+      <a:dk1>
+        <a:sysClr val="windowText" lastClr="000000"/>
+      </a:dk1>
+      <a:lt1>
+        <a:sysClr val="window" lastClr="FFFFFF"/>
+      </a:lt1>
+      <a:dk2>
+        <a:srgbClr val="44546A"/>
+      </a:dk2>
+      <a:lt2>
+        <a:srgbClr val="E7E6E6"/>
+      </a:lt2>
+      <a:accent1>
+        <a:srgbClr val="4472C4"/>
+      </a:accent1>
+      <a:accent2>
+        <a:srgbClr val="ED7D31"/>
+      </a:accent2>
+      <a:accent3>
+        <a:srgbClr val="A5A5A5"/>
+      </a:accent3>
+      <a:accent4>
+        <a:srgbClr val="FFC000"/>
+      </a:accent4>
+      <a:accent5>
+        <a:srgbClr val="5B9BD5"/>
+      </a:accent5>
+      <a:accent6>
+        <a:srgbClr val="70AD47"/>
+      </a:accent6>
+      <a:hlink>
+        <a:srgbClr val="0563C1"/>
+      </a:hlink>
+      <a:folHlink>
+        <a:srgbClr val="954F72"/>
+      </a:folHlink>
+    </a:clrScheme>
+    <a:fontScheme name="Office">
+      <a:majorFont>
+        <a:latin typeface="맑은 고딕" panose="020F0302020204030204"/>
+        <a:ea typeface=""/>
+        <a:cs typeface=""/>
+        <a:font script="Jpan" typeface="游ゴシック Light"/>
+        <a:font script="Hang" typeface="맑은 고딕"/>
+        <a:font script="Hans" typeface="等线 Light"/>
+        <a:font script="Hant" typeface="新細明體"/>
+        <a:font script="Arab" typeface="Times New Roman"/>
+        <a:font script="Hebr" typeface="Times New Roman"/>
+        <a:font script="Thai" typeface="Angsana New"/>
+        <a:font script="Ethi" typeface="Nyala"/>
+        <a:font script="Beng" typeface="Vrinda"/>
+        <a:font script="Gujr" typeface="Shruti"/>
+        <a:font script="Khmr" typeface="MoolBoran"/>
+        <a:font script="Knda" typeface="Tunga"/>
+        <a:font script="Guru" typeface="Raavi"/>
+        <a:font script="Cans" typeface="Euphemia"/>
+        <a:font script="Cher" typeface="Plantagenet Cherokee"/>
+        <a:font script="Yiii" typeface="Microsoft Yi Baiti"/>
+        <a:font script="Tibt" typeface="Microsoft Himalaya"/>
+        <a:font script="Thaa" typeface="MV Boli"/>
+        <a:font script="Deva" typeface="Mangal"/>
+        <a:font script="Telu" typeface="Gautami"/>
+        <a:font script="Taml" typeface="Latha"/>
+        <a:font script="Syrc" typeface="Estrangelo Edessa"/>
+        <a:font script="Orya" typeface="Kalinga"/>
+        <a:font script="Mlym" typeface="Kartika"/>
+        <a:font script="Laoo" typeface="DokChampa"/>
+        <a:font script="Sinh" typeface="Iskoola Pota"/>
+        <a:font script="Mong" typeface="Mongolian Baiti"/>
+        <a:font script="Viet" typeface="Times New Roman"/>
+        <a:font script="Uigh" typeface="Microsoft Uighur"/>
+        <a:font script="Geor" typeface="Sylfaen"/>
+        <a:font script="Armn" typeface="Arial"/>
+        <a:font script="Bugi" typeface="Leelawadee UI"/>
+        <a:font script="Bopo" typeface="Microsoft JhengHei"/>
+        <a:font script="Java" typeface="Javanese Text"/>
+        <a:font script="Lisu" typeface="Segoe UI"/>
+        <a:font script="Mymr" typeface="Myanmar Text"/>
+        <a:font script="Nkoo" typeface="Ebrima"/>
+        <a:font script="Olck" typeface="Nirmala UI"/>
+        <a:font script="Osma" typeface="Ebrima"/>
+        <a:font script="Phag" typeface="Phagspa"/>
+        <a:font script="Syrn" typeface="Estrangelo Edessa"/>
+        <a:font script="Syrj" typeface="Estrangelo Edessa"/>
+        <a:font script="Syre" typeface="Estrangelo Edessa"/>
+        <a:font script="Sora" typeface="Nirmala UI"/>
+        <a:font script="Tale" typeface="Microsoft Tai Le"/>
+        <a:font script="Talu" typeface="Microsoft New Tai Lue"/>
+        <a:font script="Tfng" typeface="Ebrima"/>
+      </a:majorFont>
+      <a:minorFont>
+        <a:latin typeface="맑은 고딕" panose="020F0502020204030204"/>
+        <a:ea typeface=""/>
+        <a:cs typeface=""/>
+        <a:font script="Jpan" typeface="游ゴシック"/>
+        <a:font script="Hang" typeface="맑은 고딕"/>
+        <a:font script="Hans" typeface="等线"/>
+        <a:font script="Hant" typeface="新細明體"/>
+        <a:font script="Arab" typeface="Arial"/>
+        <a:font script="Hebr" typeface="Arial"/>
+        <a:font script="Thai" typeface="Cordia New"/>
+        <a:font script="Ethi" typeface="Nyala"/>
+        <a:font script="Beng" typeface="Vrinda"/>
+        <a:font script="Gujr" typeface="Shruti"/>
+        <a:font script="Khmr" typeface="DaunPenh"/>
+        <a:font script="Knda" typeface="Tunga"/>
+        <a:font script="Guru" typeface="Raavi"/>
+        <a:font script="Cans" typeface="Euphemia"/>
+        <a:font script="Cher" typeface="Plantagenet Cherokee"/>
+        <a:font script="Yiii" typeface="Microsoft Yi Baiti"/>
+        <a:font script="Tibt" typeface="Microsoft Himalaya"/>
+        <a:font script="Thaa" typeface="MV Boli"/>
+        <a:font script="Deva" typeface="Mangal"/>
+        <a:font script="Telu" typeface="Gautami"/>
+        <a:font script="Taml" typeface="Latha"/>
+        <a:font script="Syrc" typeface="Estrangelo Edessa"/>
+        <a:font script="Orya" typeface="Kalinga"/>
+        <a:font script="Mlym" typeface="Kartika"/>
+        <a:font script="Laoo" typeface="DokChampa"/>
+        <a:font script="Sinh" typeface="Iskoola Pota"/>
+        <a:font script="Mong" typeface="Mongolian Baiti"/>
+        <a:font script="Viet" typeface="Arial"/>
+        <a:font script="Uigh" typeface="Microsoft Uighur"/>
+        <a:font script="Geor" typeface="Sylfaen"/>
+        <a:font script="Armn" typeface="Arial"/>
+        <a:font script="Bugi" typeface="Leelawadee UI"/>
+        <a:font script="Bopo" typeface="Microsoft JhengHei"/>
+        <a:font script="Java" typeface="Javanese Text"/>
+        <a:font script="Lisu" typeface="Segoe UI"/>
+        <a:font script="Mymr" typeface="Myanmar Text"/>
+        <a:font script="Nkoo" typeface="Ebrima"/>
+        <a:font script="Olck" typeface="Nirmala UI"/>
+        <a:font script="Osma" typeface="Ebrima"/>
+        <a:font script="Phag" typeface="Phagspa"/>
+        <a:font script="Syrn" typeface="Estrangelo Edessa"/>
+        <a:font script="Syrj" typeface="Estrangelo Edessa"/>
+        <a:font script="Syre" typeface="Estrangelo Edessa"/>
+        <a:font script="Sora" typeface="Nirmala UI"/>
+        <a:font script="Tale" typeface="Microsoft Tai Le"/>
+        <a:font script="Talu" typeface="Microsoft New Tai Lue"/>
+        <a:font script="Tfng" typeface="Ebrima"/>
+      </a:minorFont>
+    </a:fontScheme>
+    <a:fmtScheme name="Office">
+      <a:fillStyleLst>
+        <a:solidFill>
+          <a:schemeClr val="phClr"/>
+        </a:solidFill>
+        <a:gradFill rotWithShape="1">
+          <a:gsLst>
+            <a:gs pos="0">
+              <a:schemeClr val="phClr">
+                <a:lumMod val="110000"/>
+                <a:satMod val="105000"/>
+                <a:tint val="67000"/>
+              </a:schemeClr>
+            </a:gs>
+            <a:gs pos="50000">
+              <a:schemeClr val="phClr">
+                <a:lumMod val="105000"/>
+                <a:satMod val="103000"/>
+                <a:tint val="73000"/>
+              </a:schemeClr>
+            </a:gs>
+            <a:gs pos="100000">
+              <a:schemeClr val="phClr">
+                <a:lumMod val="105000"/>
+                <a:satMod val="109000"/>
+                <a:tint val="81000"/>
+              </a:schemeClr>
+            </a:gs>
+          </a:gsLst>
+          <a:lin ang="5400000" scaled="0"/>
+        </a:gradFill>
+        <a:gradFill rotWithShape="1">
+          <a:gsLst>
+            <a:gs pos="0">
+              <a:schemeClr val="phClr">
+                <a:satMod val="103000"/>
+                <a:lumMod val="102000"/>
+                <a:tint val="94000"/>
+              </a:schemeClr>
+            </a:gs>
+            <a:gs pos="50000">
+              <a:schemeClr val="phClr">
+                <a:satMod val="110000"/>
+                <a:lumMod val="100000"/>
+                <a:shade val="100000"/>
+              </a:schemeClr>
+            </a:gs>
+            <a:gs pos="100000">
+              <a:schemeClr val="phClr">
+                <a:lumMod val="99000"/>
+                <a:satMod val="120000"/>
+                <a:shade val="78000"/>
+              </a:schemeClr>
+            </a:gs>
+          </a:gsLst>
+          <a:lin ang="5400000" scaled="0"/>
+        </a:gradFill>
+      </a:fillStyleLst>
+      <a:lnStyleLst>
+        <a:ln w="6350" cap="flat" cmpd="sng" algn="ctr">
+          <a:solidFill>
+            <a:schemeClr val="phClr"/>
+          </a:solidFill>
+          <a:prstDash val="solid"/>
+          <a:miter lim="800000"/>
+        </a:ln>
+        <a:ln w="12700" cap="flat" cmpd="sng" algn="ctr">
+          <a:solidFill>
+            <a:schemeClr val="phClr"/>
+          </a:solidFill>
+          <a:prstDash val="solid"/>
+          <a:miter lim="800000"/>
+        </a:ln>
+        <a:ln w="19050" cap="flat" cmpd="sng" algn="ctr">
+          <a:solidFill>
+            <a:schemeClr val="phClr"/>
+          </a:solidFill>
+          <a:prstDash val="solid"/>
+          <a:miter lim="800000"/>
+        </a:ln>
+      </a:lnStyleLst>
+      <a:effectStyleLst>
+        <a:effectStyle>
+          <a:effectLst/>
+        </a:effectStyle>
+        <a:effectStyle>
+          <a:effectLst/>
+        </a:effectStyle>
+        <a:effectStyle>
+          <a:effectLst>
+            <a:outerShdw blurRad="57150" dist="19050" dir="5400000" algn="ctr" rotWithShape="0">
+              <a:srgbClr val="000000">
+                <a:alpha val="63000"/>
+              </a:srgbClr>
+            </a:outerShdw>
+          </a:effectLst>
+        </a:effectStyle>
+      </a:effectStyleLst>
+      <a:bgFillStyleLst>
+        <a:solidFill>
+          <a:schemeClr val="phClr"/>
+        </a:solidFill>
+        <a:solidFill>
+          <a:schemeClr val="phClr">
+            <a:tint val="95000"/>
+            <a:satMod val="170000"/>
+          </a:schemeClr>
+        </a:solidFill>
+        <a:gradFill rotWithShape="1">
+          <a:gsLst>
+            <a:gs pos="0">
+              <a:schemeClr val="phClr">
+                <a:tint val="93000"/>
+                <a:satMod val="150000"/>
+                <a:shade val="98000"/>
+                <a:lumMod val="102000"/>
+              </a:schemeClr>
+            </a:gs>
+            <a:gs pos="50000">
+              <a:schemeClr val="phClr">
+                <a:tint val="98000"/>
+                <a:satMod val="130000"/>
+                <a:shade val="90000"/>
+                <a:lumMod val="103000"/>
+              </a:schemeClr>
+            </a:gs>
+            <a:gs pos="100000">
+              <a:schemeClr val="phClr">
+                <a:shade val="63000"/>
+                <a:satMod val="120000"/>
+              </a:schemeClr>
+            </a:gs>
+          </a:gsLst>
+          <a:lin ang="5400000" scaled="0"/>
+        </a:gradFill>
+      </a:bgFillStyleLst>
+    </a:fmtScheme>
+  </a:themeElements>
+  <a:objectDefaults/>
+  <a:extraClrSchemeLst/>
+  <a:extLst>
+    <a:ext uri="{05A4C25C-085E-4340-85A3-A5531E510DB2}">
+      <thm15:themeFamily xmlns:thm15="http://schemas.microsoft.com/office/thememl/2012/main" name="Office Theme" id="{62F939B6-93AF-4DB8-9C6B-D6C7DFDC589F}" vid="{4A3C46E8-61CC-4603-A589-7422A47A8E4A}"/>
+    </a:ext>
+  </a:extLst>
+</a:theme>
 </file>